--- a/Lesson-07.pptx
+++ b/Lesson-07.pptx
@@ -4,6 +4,9 @@
   <p:sldMasterIdLst>
     <p:sldMasterId id="2147483660" r:id="rId1"/>
   </p:sldMasterIdLst>
+  <p:notesMasterIdLst>
+    <p:notesMasterId r:id="rId25"/>
+  </p:notesMasterIdLst>
   <p:sldIdLst>
     <p:sldId id="256" r:id="rId2"/>
     <p:sldId id="269" r:id="rId3"/>
@@ -15,13 +18,19 @@
     <p:sldId id="276" r:id="rId9"/>
     <p:sldId id="278" r:id="rId10"/>
     <p:sldId id="277" r:id="rId11"/>
-    <p:sldId id="257" r:id="rId12"/>
-    <p:sldId id="270" r:id="rId13"/>
-    <p:sldId id="271" r:id="rId14"/>
-    <p:sldId id="279" r:id="rId15"/>
-    <p:sldId id="282" r:id="rId16"/>
-    <p:sldId id="280" r:id="rId17"/>
-    <p:sldId id="283" r:id="rId18"/>
+    <p:sldId id="285" r:id="rId12"/>
+    <p:sldId id="257" r:id="rId13"/>
+    <p:sldId id="270" r:id="rId14"/>
+    <p:sldId id="271" r:id="rId15"/>
+    <p:sldId id="279" r:id="rId16"/>
+    <p:sldId id="282" r:id="rId17"/>
+    <p:sldId id="286" r:id="rId18"/>
+    <p:sldId id="287" r:id="rId19"/>
+    <p:sldId id="288" r:id="rId20"/>
+    <p:sldId id="289" r:id="rId21"/>
+    <p:sldId id="290" r:id="rId22"/>
+    <p:sldId id="280" r:id="rId23"/>
+    <p:sldId id="283" r:id="rId24"/>
   </p:sldIdLst>
   <p:sldSz cx="9144000" cy="6858000" type="screen4x3"/>
   <p:notesSz cx="6858000" cy="9144000"/>
@@ -120,7 +129,506 @@
       </a:defRPr>
     </a:lvl9pPr>
   </p:defaultTextStyle>
+  <p:extLst>
+    <p:ext uri="{EFAFB233-063F-42B5-8137-9DF3F51BA10A}">
+      <p15:sldGuideLst xmlns:p15="http://schemas.microsoft.com/office/powerpoint/2012/main"/>
+    </p:ext>
+  </p:extLst>
 </p:presentation>
+</file>
+
+<file path=ppt/notesMasters/notesMaster1.xml><?xml version="1.0" encoding="utf-8"?>
+<p:notesMaster xmlns:a="http://schemas.openxmlformats.org/drawingml/2006/main" xmlns:r="http://schemas.openxmlformats.org/officeDocument/2006/relationships" xmlns:p="http://schemas.openxmlformats.org/presentationml/2006/main">
+  <p:cSld>
+    <p:bg>
+      <p:bgRef idx="1001">
+        <a:schemeClr val="bg1"/>
+      </p:bgRef>
+    </p:bg>
+    <p:spTree>
+      <p:nvGrpSpPr>
+        <p:cNvPr id="1" name=""/>
+        <p:cNvGrpSpPr/>
+        <p:nvPr/>
+      </p:nvGrpSpPr>
+      <p:grpSpPr>
+        <a:xfrm>
+          <a:off x="0" y="0"/>
+          <a:ext cx="0" cy="0"/>
+          <a:chOff x="0" y="0"/>
+          <a:chExt cx="0" cy="0"/>
+        </a:xfrm>
+      </p:grpSpPr>
+      <p:sp>
+        <p:nvSpPr>
+          <p:cNvPr id="2" name="Header Placeholder 1"/>
+          <p:cNvSpPr>
+            <a:spLocks noGrp="1"/>
+          </p:cNvSpPr>
+          <p:nvPr>
+            <p:ph type="hdr" sz="quarter"/>
+          </p:nvPr>
+        </p:nvSpPr>
+        <p:spPr>
+          <a:xfrm>
+            <a:off x="0" y="0"/>
+            <a:ext cx="2971800" cy="458788"/>
+          </a:xfrm>
+          <a:prstGeom prst="rect">
+            <a:avLst/>
+          </a:prstGeom>
+        </p:spPr>
+        <p:txBody>
+          <a:bodyPr vert="horz" lIns="91440" tIns="45720" rIns="91440" bIns="45720" rtlCol="0"/>
+          <a:lstStyle>
+            <a:lvl1pPr algn="l">
+              <a:defRPr sz="1200"/>
+            </a:lvl1pPr>
+          </a:lstStyle>
+          <a:p>
+            <a:endParaRPr lang="en-US"/>
+          </a:p>
+        </p:txBody>
+      </p:sp>
+      <p:sp>
+        <p:nvSpPr>
+          <p:cNvPr id="3" name="Date Placeholder 2"/>
+          <p:cNvSpPr>
+            <a:spLocks noGrp="1"/>
+          </p:cNvSpPr>
+          <p:nvPr>
+            <p:ph type="dt" idx="1"/>
+          </p:nvPr>
+        </p:nvSpPr>
+        <p:spPr>
+          <a:xfrm>
+            <a:off x="3884613" y="0"/>
+            <a:ext cx="2971800" cy="458788"/>
+          </a:xfrm>
+          <a:prstGeom prst="rect">
+            <a:avLst/>
+          </a:prstGeom>
+        </p:spPr>
+        <p:txBody>
+          <a:bodyPr vert="horz" lIns="91440" tIns="45720" rIns="91440" bIns="45720" rtlCol="0"/>
+          <a:lstStyle>
+            <a:lvl1pPr algn="r">
+              <a:defRPr sz="1200"/>
+            </a:lvl1pPr>
+          </a:lstStyle>
+          <a:p>
+            <a:fld id="{FF112B28-8C9B-4BB4-9A15-5A5FFC089BA0}" type="datetimeFigureOut">
+              <a:rPr lang="en-US" smtClean="0"/>
+              <a:t>11/24/2017</a:t>
+            </a:fld>
+            <a:endParaRPr lang="en-US"/>
+          </a:p>
+        </p:txBody>
+      </p:sp>
+      <p:sp>
+        <p:nvSpPr>
+          <p:cNvPr id="4" name="Slide Image Placeholder 3"/>
+          <p:cNvSpPr>
+            <a:spLocks noGrp="1" noRot="1" noChangeAspect="1"/>
+          </p:cNvSpPr>
+          <p:nvPr>
+            <p:ph type="sldImg" idx="2"/>
+          </p:nvPr>
+        </p:nvSpPr>
+        <p:spPr>
+          <a:xfrm>
+            <a:off x="1371600" y="1143000"/>
+            <a:ext cx="4114800" cy="3086100"/>
+          </a:xfrm>
+          <a:prstGeom prst="rect">
+            <a:avLst/>
+          </a:prstGeom>
+          <a:noFill/>
+          <a:ln w="12700">
+            <a:solidFill>
+              <a:prstClr val="black"/>
+            </a:solidFill>
+          </a:ln>
+        </p:spPr>
+        <p:txBody>
+          <a:bodyPr vert="horz" lIns="91440" tIns="45720" rIns="91440" bIns="45720" rtlCol="0" anchor="ctr"/>
+          <a:lstStyle/>
+          <a:p>
+            <a:endParaRPr lang="en-US"/>
+          </a:p>
+        </p:txBody>
+      </p:sp>
+      <p:sp>
+        <p:nvSpPr>
+          <p:cNvPr id="5" name="Notes Placeholder 4"/>
+          <p:cNvSpPr>
+            <a:spLocks noGrp="1"/>
+          </p:cNvSpPr>
+          <p:nvPr>
+            <p:ph type="body" sz="quarter" idx="3"/>
+          </p:nvPr>
+        </p:nvSpPr>
+        <p:spPr>
+          <a:xfrm>
+            <a:off x="685800" y="4400550"/>
+            <a:ext cx="5486400" cy="3600450"/>
+          </a:xfrm>
+          <a:prstGeom prst="rect">
+            <a:avLst/>
+          </a:prstGeom>
+        </p:spPr>
+        <p:txBody>
+          <a:bodyPr vert="horz" lIns="91440" tIns="45720" rIns="91440" bIns="45720" rtlCol="0"/>
+          <a:lstStyle/>
+          <a:p>
+            <a:pPr lvl="0"/>
+            <a:r>
+              <a:rPr lang="en-US" smtClean="0"/>
+              <a:t>Click to edit Master text styles</a:t>
+            </a:r>
+          </a:p>
+          <a:p>
+            <a:pPr lvl="1"/>
+            <a:r>
+              <a:rPr lang="en-US" smtClean="0"/>
+              <a:t>Second level</a:t>
+            </a:r>
+          </a:p>
+          <a:p>
+            <a:pPr lvl="2"/>
+            <a:r>
+              <a:rPr lang="en-US" smtClean="0"/>
+              <a:t>Third level</a:t>
+            </a:r>
+          </a:p>
+          <a:p>
+            <a:pPr lvl="3"/>
+            <a:r>
+              <a:rPr lang="en-US" smtClean="0"/>
+              <a:t>Fourth level</a:t>
+            </a:r>
+          </a:p>
+          <a:p>
+            <a:pPr lvl="4"/>
+            <a:r>
+              <a:rPr lang="en-US" smtClean="0"/>
+              <a:t>Fifth level</a:t>
+            </a:r>
+            <a:endParaRPr lang="en-US"/>
+          </a:p>
+        </p:txBody>
+      </p:sp>
+      <p:sp>
+        <p:nvSpPr>
+          <p:cNvPr id="6" name="Footer Placeholder 5"/>
+          <p:cNvSpPr>
+            <a:spLocks noGrp="1"/>
+          </p:cNvSpPr>
+          <p:nvPr>
+            <p:ph type="ftr" sz="quarter" idx="4"/>
+          </p:nvPr>
+        </p:nvSpPr>
+        <p:spPr>
+          <a:xfrm>
+            <a:off x="0" y="8685213"/>
+            <a:ext cx="2971800" cy="458787"/>
+          </a:xfrm>
+          <a:prstGeom prst="rect">
+            <a:avLst/>
+          </a:prstGeom>
+        </p:spPr>
+        <p:txBody>
+          <a:bodyPr vert="horz" lIns="91440" tIns="45720" rIns="91440" bIns="45720" rtlCol="0" anchor="b"/>
+          <a:lstStyle>
+            <a:lvl1pPr algn="l">
+              <a:defRPr sz="1200"/>
+            </a:lvl1pPr>
+          </a:lstStyle>
+          <a:p>
+            <a:endParaRPr lang="en-US"/>
+          </a:p>
+        </p:txBody>
+      </p:sp>
+      <p:sp>
+        <p:nvSpPr>
+          <p:cNvPr id="7" name="Slide Number Placeholder 6"/>
+          <p:cNvSpPr>
+            <a:spLocks noGrp="1"/>
+          </p:cNvSpPr>
+          <p:nvPr>
+            <p:ph type="sldNum" sz="quarter" idx="5"/>
+          </p:nvPr>
+        </p:nvSpPr>
+        <p:spPr>
+          <a:xfrm>
+            <a:off x="3884613" y="8685213"/>
+            <a:ext cx="2971800" cy="458787"/>
+          </a:xfrm>
+          <a:prstGeom prst="rect">
+            <a:avLst/>
+          </a:prstGeom>
+        </p:spPr>
+        <p:txBody>
+          <a:bodyPr vert="horz" lIns="91440" tIns="45720" rIns="91440" bIns="45720" rtlCol="0" anchor="b"/>
+          <a:lstStyle>
+            <a:lvl1pPr algn="r">
+              <a:defRPr sz="1200"/>
+            </a:lvl1pPr>
+          </a:lstStyle>
+          <a:p>
+            <a:fld id="{881BAB7C-3EC7-4082-9D24-FB375230FEC5}" type="slidenum">
+              <a:rPr lang="en-US" smtClean="0"/>
+              <a:t>‹#›</a:t>
+            </a:fld>
+            <a:endParaRPr lang="en-US"/>
+          </a:p>
+        </p:txBody>
+      </p:sp>
+    </p:spTree>
+    <p:extLst>
+      <p:ext uri="{BB962C8B-B14F-4D97-AF65-F5344CB8AC3E}">
+        <p14:creationId xmlns:p14="http://schemas.microsoft.com/office/powerpoint/2010/main" val="462633927"/>
+      </p:ext>
+    </p:extLst>
+  </p:cSld>
+  <p:clrMap bg1="lt1" tx1="dk1" bg2="lt2" tx2="dk2" accent1="accent1" accent2="accent2" accent3="accent3" accent4="accent4" accent5="accent5" accent6="accent6" hlink="hlink" folHlink="folHlink"/>
+  <p:notesStyle>
+    <a:lvl1pPr marL="0" algn="l" defTabSz="914400" rtl="0" eaLnBrk="1" latinLnBrk="0" hangingPunct="1">
+      <a:defRPr sz="1200" kern="1200">
+        <a:solidFill>
+          <a:schemeClr val="tx1"/>
+        </a:solidFill>
+        <a:latin typeface="+mn-lt"/>
+        <a:ea typeface="+mn-ea"/>
+        <a:cs typeface="+mn-cs"/>
+      </a:defRPr>
+    </a:lvl1pPr>
+    <a:lvl2pPr marL="457200" algn="l" defTabSz="914400" rtl="0" eaLnBrk="1" latinLnBrk="0" hangingPunct="1">
+      <a:defRPr sz="1200" kern="1200">
+        <a:solidFill>
+          <a:schemeClr val="tx1"/>
+        </a:solidFill>
+        <a:latin typeface="+mn-lt"/>
+        <a:ea typeface="+mn-ea"/>
+        <a:cs typeface="+mn-cs"/>
+      </a:defRPr>
+    </a:lvl2pPr>
+    <a:lvl3pPr marL="914400" algn="l" defTabSz="914400" rtl="0" eaLnBrk="1" latinLnBrk="0" hangingPunct="1">
+      <a:defRPr sz="1200" kern="1200">
+        <a:solidFill>
+          <a:schemeClr val="tx1"/>
+        </a:solidFill>
+        <a:latin typeface="+mn-lt"/>
+        <a:ea typeface="+mn-ea"/>
+        <a:cs typeface="+mn-cs"/>
+      </a:defRPr>
+    </a:lvl3pPr>
+    <a:lvl4pPr marL="1371600" algn="l" defTabSz="914400" rtl="0" eaLnBrk="1" latinLnBrk="0" hangingPunct="1">
+      <a:defRPr sz="1200" kern="1200">
+        <a:solidFill>
+          <a:schemeClr val="tx1"/>
+        </a:solidFill>
+        <a:latin typeface="+mn-lt"/>
+        <a:ea typeface="+mn-ea"/>
+        <a:cs typeface="+mn-cs"/>
+      </a:defRPr>
+    </a:lvl4pPr>
+    <a:lvl5pPr marL="1828800" algn="l" defTabSz="914400" rtl="0" eaLnBrk="1" latinLnBrk="0" hangingPunct="1">
+      <a:defRPr sz="1200" kern="1200">
+        <a:solidFill>
+          <a:schemeClr val="tx1"/>
+        </a:solidFill>
+        <a:latin typeface="+mn-lt"/>
+        <a:ea typeface="+mn-ea"/>
+        <a:cs typeface="+mn-cs"/>
+      </a:defRPr>
+    </a:lvl5pPr>
+    <a:lvl6pPr marL="2286000" algn="l" defTabSz="914400" rtl="0" eaLnBrk="1" latinLnBrk="0" hangingPunct="1">
+      <a:defRPr sz="1200" kern="1200">
+        <a:solidFill>
+          <a:schemeClr val="tx1"/>
+        </a:solidFill>
+        <a:latin typeface="+mn-lt"/>
+        <a:ea typeface="+mn-ea"/>
+        <a:cs typeface="+mn-cs"/>
+      </a:defRPr>
+    </a:lvl6pPr>
+    <a:lvl7pPr marL="2743200" algn="l" defTabSz="914400" rtl="0" eaLnBrk="1" latinLnBrk="0" hangingPunct="1">
+      <a:defRPr sz="1200" kern="1200">
+        <a:solidFill>
+          <a:schemeClr val="tx1"/>
+        </a:solidFill>
+        <a:latin typeface="+mn-lt"/>
+        <a:ea typeface="+mn-ea"/>
+        <a:cs typeface="+mn-cs"/>
+      </a:defRPr>
+    </a:lvl7pPr>
+    <a:lvl8pPr marL="3200400" algn="l" defTabSz="914400" rtl="0" eaLnBrk="1" latinLnBrk="0" hangingPunct="1">
+      <a:defRPr sz="1200" kern="1200">
+        <a:solidFill>
+          <a:schemeClr val="tx1"/>
+        </a:solidFill>
+        <a:latin typeface="+mn-lt"/>
+        <a:ea typeface="+mn-ea"/>
+        <a:cs typeface="+mn-cs"/>
+      </a:defRPr>
+    </a:lvl8pPr>
+    <a:lvl9pPr marL="3657600" algn="l" defTabSz="914400" rtl="0" eaLnBrk="1" latinLnBrk="0" hangingPunct="1">
+      <a:defRPr sz="1200" kern="1200">
+        <a:solidFill>
+          <a:schemeClr val="tx1"/>
+        </a:solidFill>
+        <a:latin typeface="+mn-lt"/>
+        <a:ea typeface="+mn-ea"/>
+        <a:cs typeface="+mn-cs"/>
+      </a:defRPr>
+    </a:lvl9pPr>
+  </p:notesStyle>
+</p:notesMaster>
+</file>
+
+<file path=ppt/notesSlides/notesSlide1.xml><?xml version="1.0" encoding="utf-8"?>
+<p:notes xmlns:a="http://schemas.openxmlformats.org/drawingml/2006/main" xmlns:r="http://schemas.openxmlformats.org/officeDocument/2006/relationships" xmlns:p="http://schemas.openxmlformats.org/presentationml/2006/main">
+  <p:cSld>
+    <p:spTree>
+      <p:nvGrpSpPr>
+        <p:cNvPr id="1" name=""/>
+        <p:cNvGrpSpPr/>
+        <p:nvPr/>
+      </p:nvGrpSpPr>
+      <p:grpSpPr>
+        <a:xfrm>
+          <a:off x="0" y="0"/>
+          <a:ext cx="0" cy="0"/>
+          <a:chOff x="0" y="0"/>
+          <a:chExt cx="0" cy="0"/>
+        </a:xfrm>
+      </p:grpSpPr>
+      <p:sp>
+        <p:nvSpPr>
+          <p:cNvPr id="2" name="Slide Image Placeholder 1"/>
+          <p:cNvSpPr>
+            <a:spLocks noGrp="1" noRot="1" noChangeAspect="1"/>
+          </p:cNvSpPr>
+          <p:nvPr>
+            <p:ph type="sldImg"/>
+          </p:nvPr>
+        </p:nvSpPr>
+        <p:spPr/>
+      </p:sp>
+      <p:sp>
+        <p:nvSpPr>
+          <p:cNvPr id="3" name="Notes Placeholder 2"/>
+          <p:cNvSpPr>
+            <a:spLocks noGrp="1"/>
+          </p:cNvSpPr>
+          <p:nvPr>
+            <p:ph type="body" idx="1"/>
+          </p:nvPr>
+        </p:nvSpPr>
+        <p:spPr/>
+        <p:txBody>
+          <a:bodyPr/>
+          <a:lstStyle/>
+          <a:p>
+            <a:pPr fontAlgn="base"/>
+            <a:r>
+              <a:rPr lang="en-US" sz="1200" b="0" i="0" kern="1200" dirty="0" smtClean="0">
+                <a:solidFill>
+                  <a:schemeClr val="tx1"/>
+                </a:solidFill>
+                <a:effectLst/>
+                <a:latin typeface="+mn-lt"/>
+                <a:ea typeface="+mn-ea"/>
+                <a:cs typeface="+mn-cs"/>
+              </a:rPr>
+              <a:t>Please Uncomment the following in </a:t>
+            </a:r>
+            <a:r>
+              <a:rPr lang="en-US" sz="1200" b="0" i="0" kern="1200" dirty="0" err="1" smtClean="0">
+                <a:solidFill>
+                  <a:schemeClr val="tx1"/>
+                </a:solidFill>
+                <a:effectLst/>
+                <a:latin typeface="+mn-lt"/>
+                <a:ea typeface="+mn-ea"/>
+                <a:cs typeface="+mn-cs"/>
+              </a:rPr>
+              <a:t>TestWeatherContract</a:t>
+            </a:r>
+            <a:endParaRPr lang="en-US" sz="1200" b="0" i="0" kern="1200" dirty="0" smtClean="0">
+              <a:solidFill>
+                <a:schemeClr val="tx1"/>
+              </a:solidFill>
+              <a:effectLst/>
+              <a:latin typeface="+mn-lt"/>
+              <a:ea typeface="+mn-ea"/>
+              <a:cs typeface="+mn-cs"/>
+            </a:endParaRPr>
+          </a:p>
+          <a:p>
+            <a:pPr fontAlgn="base"/>
+            <a:r>
+              <a:rPr lang="en-US" sz="1200" b="0" i="0" kern="1200" dirty="0" err="1" smtClean="0">
+                <a:solidFill>
+                  <a:schemeClr val="tx1"/>
+                </a:solidFill>
+                <a:effectLst/>
+                <a:latin typeface="+mn-lt"/>
+                <a:ea typeface="+mn-ea"/>
+                <a:cs typeface="+mn-cs"/>
+              </a:rPr>
+              <a:t>testBuildWeatherLocation</a:t>
+            </a:r>
+            <a:endParaRPr lang="en-US" sz="1200" b="0" i="0" kern="1200" dirty="0" smtClean="0">
+              <a:solidFill>
+                <a:schemeClr val="tx1"/>
+              </a:solidFill>
+              <a:effectLst/>
+              <a:latin typeface="+mn-lt"/>
+              <a:ea typeface="+mn-ea"/>
+              <a:cs typeface="+mn-cs"/>
+            </a:endParaRPr>
+          </a:p>
+          <a:p>
+            <a:endParaRPr lang="en-US" dirty="0"/>
+          </a:p>
+        </p:txBody>
+      </p:sp>
+      <p:sp>
+        <p:nvSpPr>
+          <p:cNvPr id="4" name="Slide Number Placeholder 3"/>
+          <p:cNvSpPr>
+            <a:spLocks noGrp="1"/>
+          </p:cNvSpPr>
+          <p:nvPr>
+            <p:ph type="sldNum" sz="quarter" idx="10"/>
+          </p:nvPr>
+        </p:nvSpPr>
+        <p:spPr/>
+        <p:txBody>
+          <a:bodyPr/>
+          <a:lstStyle/>
+          <a:p>
+            <a:fld id="{881BAB7C-3EC7-4082-9D24-FB375230FEC5}" type="slidenum">
+              <a:rPr lang="en-US" smtClean="0"/>
+              <a:t>18</a:t>
+            </a:fld>
+            <a:endParaRPr lang="en-US"/>
+          </a:p>
+        </p:txBody>
+      </p:sp>
+    </p:spTree>
+    <p:extLst>
+      <p:ext uri="{BB962C8B-B14F-4D97-AF65-F5344CB8AC3E}">
+        <p14:creationId xmlns:p14="http://schemas.microsoft.com/office/powerpoint/2010/main" val="1004587229"/>
+      </p:ext>
+    </p:extLst>
+  </p:cSld>
+  <p:clrMapOvr>
+    <a:masterClrMapping/>
+  </p:clrMapOvr>
+</p:notes>
 </file>
 
 <file path=ppt/slideLayouts/slideLayout1.xml><?xml version="1.0" encoding="utf-8"?>
@@ -254,7 +762,7 @@
           <a:p>
             <a:fld id="{2E80AA58-1151-4F5D-BD55-E695BF2D0EC4}" type="datetimeFigureOut">
               <a:rPr lang="en-US" smtClean="0"/>
-              <a:t>02-Dec-16</a:t>
+              <a:t>11/24/2017</a:t>
             </a:fld>
             <a:endParaRPr lang="en-US"/>
           </a:p>
@@ -424,7 +932,7 @@
           <a:p>
             <a:fld id="{2E80AA58-1151-4F5D-BD55-E695BF2D0EC4}" type="datetimeFigureOut">
               <a:rPr lang="en-US" smtClean="0"/>
-              <a:t>02-Dec-16</a:t>
+              <a:t>11/24/2017</a:t>
             </a:fld>
             <a:endParaRPr lang="en-US"/>
           </a:p>
@@ -604,7 +1112,7 @@
           <a:p>
             <a:fld id="{2E80AA58-1151-4F5D-BD55-E695BF2D0EC4}" type="datetimeFigureOut">
               <a:rPr lang="en-US" smtClean="0"/>
-              <a:t>02-Dec-16</a:t>
+              <a:t>11/24/2017</a:t>
             </a:fld>
             <a:endParaRPr lang="en-US"/>
           </a:p>
@@ -774,7 +1282,7 @@
           <a:p>
             <a:fld id="{2E80AA58-1151-4F5D-BD55-E695BF2D0EC4}" type="datetimeFigureOut">
               <a:rPr lang="en-US" smtClean="0"/>
-              <a:t>02-Dec-16</a:t>
+              <a:t>11/24/2017</a:t>
             </a:fld>
             <a:endParaRPr lang="en-US"/>
           </a:p>
@@ -1018,7 +1526,7 @@
           <a:p>
             <a:fld id="{2E80AA58-1151-4F5D-BD55-E695BF2D0EC4}" type="datetimeFigureOut">
               <a:rPr lang="en-US" smtClean="0"/>
-              <a:t>02-Dec-16</a:t>
+              <a:t>11/24/2017</a:t>
             </a:fld>
             <a:endParaRPr lang="en-US"/>
           </a:p>
@@ -1250,7 +1758,7 @@
           <a:p>
             <a:fld id="{2E80AA58-1151-4F5D-BD55-E695BF2D0EC4}" type="datetimeFigureOut">
               <a:rPr lang="en-US" smtClean="0"/>
-              <a:t>02-Dec-16</a:t>
+              <a:t>11/24/2017</a:t>
             </a:fld>
             <a:endParaRPr lang="en-US"/>
           </a:p>
@@ -1617,7 +2125,7 @@
           <a:p>
             <a:fld id="{2E80AA58-1151-4F5D-BD55-E695BF2D0EC4}" type="datetimeFigureOut">
               <a:rPr lang="en-US" smtClean="0"/>
-              <a:t>02-Dec-16</a:t>
+              <a:t>11/24/2017</a:t>
             </a:fld>
             <a:endParaRPr lang="en-US"/>
           </a:p>
@@ -1735,7 +2243,7 @@
           <a:p>
             <a:fld id="{2E80AA58-1151-4F5D-BD55-E695BF2D0EC4}" type="datetimeFigureOut">
               <a:rPr lang="en-US" smtClean="0"/>
-              <a:t>02-Dec-16</a:t>
+              <a:t>11/24/2017</a:t>
             </a:fld>
             <a:endParaRPr lang="en-US"/>
           </a:p>
@@ -1830,7 +2338,7 @@
           <a:p>
             <a:fld id="{2E80AA58-1151-4F5D-BD55-E695BF2D0EC4}" type="datetimeFigureOut">
               <a:rPr lang="en-US" smtClean="0"/>
-              <a:t>02-Dec-16</a:t>
+              <a:t>11/24/2017</a:t>
             </a:fld>
             <a:endParaRPr lang="en-US"/>
           </a:p>
@@ -2107,7 +2615,7 @@
           <a:p>
             <a:fld id="{2E80AA58-1151-4F5D-BD55-E695BF2D0EC4}" type="datetimeFigureOut">
               <a:rPr lang="en-US" smtClean="0"/>
-              <a:t>02-Dec-16</a:t>
+              <a:t>11/24/2017</a:t>
             </a:fld>
             <a:endParaRPr lang="en-US"/>
           </a:p>
@@ -2364,7 +2872,7 @@
           <a:p>
             <a:fld id="{2E80AA58-1151-4F5D-BD55-E695BF2D0EC4}" type="datetimeFigureOut">
               <a:rPr lang="en-US" smtClean="0"/>
-              <a:t>02-Dec-16</a:t>
+              <a:t>11/24/2017</a:t>
             </a:fld>
             <a:endParaRPr lang="en-US"/>
           </a:p>
@@ -2577,7 +3085,7 @@
           <a:p>
             <a:fld id="{2E80AA58-1151-4F5D-BD55-E695BF2D0EC4}" type="datetimeFigureOut">
               <a:rPr lang="en-US" smtClean="0"/>
-              <a:t>02-Dec-16</a:t>
+              <a:t>11/24/2017</a:t>
             </a:fld>
             <a:endParaRPr lang="en-US"/>
           </a:p>
@@ -3158,15 +3666,83 @@
           <a:p>
             <a:r>
               <a:rPr lang="en-US" dirty="0"/>
-              <a:t>Our Content </a:t>
-            </a:r>
+              <a:t>Do I need them?</a:t>
+            </a:r>
+          </a:p>
+        </p:txBody>
+      </p:sp>
+      <p:pic>
+        <p:nvPicPr>
+          <p:cNvPr id="4" name="Picture 3"/>
+          <p:cNvPicPr>
+            <a:picLocks noChangeAspect="1"/>
+          </p:cNvPicPr>
+          <p:nvPr/>
+        </p:nvPicPr>
+        <p:blipFill>
+          <a:blip r:embed="rId2"/>
+          <a:stretch>
+            <a:fillRect/>
+          </a:stretch>
+        </p:blipFill>
+        <p:spPr>
+          <a:xfrm>
+            <a:off x="0" y="1478190"/>
+            <a:ext cx="9144000" cy="4975412"/>
+          </a:xfrm>
+          <a:prstGeom prst="rect">
+            <a:avLst/>
+          </a:prstGeom>
+        </p:spPr>
+      </p:pic>
+    </p:spTree>
+    <p:extLst>
+      <p:ext uri="{BB962C8B-B14F-4D97-AF65-F5344CB8AC3E}">
+        <p14:creationId xmlns:p14="http://schemas.microsoft.com/office/powerpoint/2010/main" val="1080966115"/>
+      </p:ext>
+    </p:extLst>
+  </p:cSld>
+  <p:clrMapOvr>
+    <a:masterClrMapping/>
+  </p:clrMapOvr>
+</p:sld>
+</file>
+
+<file path=ppt/slides/slide12.xml><?xml version="1.0" encoding="utf-8"?>
+<p:sld xmlns:a="http://schemas.openxmlformats.org/drawingml/2006/main" xmlns:r="http://schemas.openxmlformats.org/officeDocument/2006/relationships" xmlns:p="http://schemas.openxmlformats.org/presentationml/2006/main">
+  <p:cSld>
+    <p:spTree>
+      <p:nvGrpSpPr>
+        <p:cNvPr id="1" name=""/>
+        <p:cNvGrpSpPr/>
+        <p:nvPr/>
+      </p:nvGrpSpPr>
+      <p:grpSpPr>
+        <a:xfrm>
+          <a:off x="0" y="0"/>
+          <a:ext cx="0" cy="0"/>
+          <a:chOff x="0" y="0"/>
+          <a:chExt cx="0" cy="0"/>
+        </a:xfrm>
+      </p:grpSpPr>
+      <p:sp>
+        <p:nvSpPr>
+          <p:cNvPr id="2" name="Title 1"/>
+          <p:cNvSpPr>
+            <a:spLocks noGrp="1"/>
+          </p:cNvSpPr>
+          <p:nvPr>
+            <p:ph type="title"/>
+          </p:nvPr>
+        </p:nvSpPr>
+        <p:spPr/>
+        <p:txBody>
+          <a:bodyPr/>
+          <a:lstStyle/>
+          <a:p>
             <a:r>
               <a:rPr lang="en-US" dirty="0"/>
-              <a:t>Provider:</a:t>
-            </a:r>
-            <a:r>
-              <a:rPr lang="en-US" dirty="0"/>
-              <a:t> </a:t>
+              <a:t>Our Content Provider: </a:t>
             </a:r>
             <a:br>
               <a:rPr lang="en-US" dirty="0"/>
@@ -3211,7 +3787,6 @@
               <a:rPr lang="en-US" dirty="0"/>
               <a:t> https://classroom.udacity.com/courses/ud258/lessons/3372188753/concepts/34096686680923#</a:t>
             </a:r>
-            <a:endParaRPr lang="en-US" dirty="0"/>
           </a:p>
         </p:txBody>
       </p:sp>
@@ -3240,7 +3815,6 @@
               <a:rPr lang="en-US" dirty="0"/>
               <a:t>Provider</a:t>
             </a:r>
-            <a:endParaRPr lang="en-US" dirty="0"/>
           </a:p>
         </p:txBody>
       </p:sp>
@@ -3298,7 +3872,7 @@
 </p:sld>
 </file>
 
-<file path=ppt/slides/slide12.xml><?xml version="1.0" encoding="utf-8"?>
+<file path=ppt/slides/slide13.xml><?xml version="1.0" encoding="utf-8"?>
 <p:sld xmlns:a="http://schemas.openxmlformats.org/drawingml/2006/main" xmlns:r="http://schemas.openxmlformats.org/officeDocument/2006/relationships" xmlns:p="http://schemas.openxmlformats.org/presentationml/2006/main">
   <p:cSld>
     <p:spTree>
@@ -3385,7 +3959,6 @@
               <a:rPr lang="en-US" sz="1600" dirty="0"/>
               <a:t> behind the scenes to do its work.</a:t>
             </a:r>
-            <a:endParaRPr lang="en-US" sz="1600" dirty="0"/>
           </a:p>
         </p:txBody>
       </p:sp>
@@ -3426,7 +3999,7 @@
 </p:sld>
 </file>
 
-<file path=ppt/slides/slide13.xml><?xml version="1.0" encoding="utf-8"?>
+<file path=ppt/slides/slide14.xml><?xml version="1.0" encoding="utf-8"?>
 <p:sld xmlns:a="http://schemas.openxmlformats.org/drawingml/2006/main" xmlns:r="http://schemas.openxmlformats.org/officeDocument/2006/relationships" xmlns:p="http://schemas.openxmlformats.org/presentationml/2006/main">
   <p:cSld>
     <p:spTree>
@@ -3563,7 +4136,7 @@
 </p:sld>
 </file>
 
-<file path=ppt/slides/slide14.xml><?xml version="1.0" encoding="utf-8"?>
+<file path=ppt/slides/slide15.xml><?xml version="1.0" encoding="utf-8"?>
 <p:sld xmlns:a="http://schemas.openxmlformats.org/drawingml/2006/main" xmlns:r="http://schemas.openxmlformats.org/officeDocument/2006/relationships" xmlns:p="http://schemas.openxmlformats.org/presentationml/2006/main">
   <p:cSld>
     <p:spTree>
@@ -3617,6 +4190,10 @@
             <a:r>
               <a:rPr lang="en-US" b="1" dirty="0" err="1"/>
               <a:t>WeatherProvider</a:t>
+            </a:r>
+            <a:r>
+              <a:rPr lang="en-US" b="1" dirty="0"/>
+              <a:t/>
             </a:r>
             <a:br>
               <a:rPr lang="en-US" b="1" dirty="0"/>
@@ -3662,7 +4239,7 @@
 </p:sld>
 </file>
 
-<file path=ppt/slides/slide15.xml><?xml version="1.0" encoding="utf-8"?>
+<file path=ppt/slides/slide16.xml><?xml version="1.0" encoding="utf-8"?>
 <p:sld xmlns:a="http://schemas.openxmlformats.org/drawingml/2006/main" xmlns:r="http://schemas.openxmlformats.org/officeDocument/2006/relationships" xmlns:p="http://schemas.openxmlformats.org/presentationml/2006/main">
   <p:cSld>
     <p:spTree>
@@ -3758,6 +4335,10 @@
               <a:rPr lang="en-US" b="1" dirty="0" err="1"/>
               <a:t>WeatherProvider</a:t>
             </a:r>
+            <a:r>
+              <a:rPr lang="en-US" b="1" dirty="0"/>
+              <a:t/>
+            </a:r>
             <a:br>
               <a:rPr lang="en-US" b="1" dirty="0"/>
             </a:br>
@@ -3798,75 +4379,6 @@
     <p:extLst>
       <p:ext uri="{BB962C8B-B14F-4D97-AF65-F5344CB8AC3E}">
         <p14:creationId xmlns:p14="http://schemas.microsoft.com/office/powerpoint/2010/main" val="2833895107"/>
-      </p:ext>
-    </p:extLst>
-  </p:cSld>
-  <p:clrMapOvr>
-    <a:masterClrMapping/>
-  </p:clrMapOvr>
-</p:sld>
-</file>
-
-<file path=ppt/slides/slide16.xml><?xml version="1.0" encoding="utf-8"?>
-<p:sld xmlns:a="http://schemas.openxmlformats.org/drawingml/2006/main" xmlns:r="http://schemas.openxmlformats.org/officeDocument/2006/relationships" xmlns:p="http://schemas.openxmlformats.org/presentationml/2006/main">
-  <p:cSld>
-    <p:spTree>
-      <p:nvGrpSpPr>
-        <p:cNvPr id="1" name=""/>
-        <p:cNvGrpSpPr/>
-        <p:nvPr/>
-      </p:nvGrpSpPr>
-      <p:grpSpPr>
-        <a:xfrm>
-          <a:off x="0" y="0"/>
-          <a:ext cx="0" cy="0"/>
-          <a:chOff x="0" y="0"/>
-          <a:chExt cx="0" cy="0"/>
-        </a:xfrm>
-      </p:grpSpPr>
-      <p:sp>
-        <p:nvSpPr>
-          <p:cNvPr id="2" name="Title 1"/>
-          <p:cNvSpPr>
-            <a:spLocks noGrp="1"/>
-          </p:cNvSpPr>
-          <p:nvPr>
-            <p:ph type="title"/>
-          </p:nvPr>
-        </p:nvSpPr>
-        <p:spPr>
-          <a:xfrm>
-            <a:off x="692261" y="1883826"/>
-            <a:ext cx="7886700" cy="2648418"/>
-          </a:xfrm>
-        </p:spPr>
-        <p:txBody>
-          <a:bodyPr>
-            <a:normAutofit/>
-          </a:bodyPr>
-          <a:lstStyle/>
-          <a:p>
-            <a:r>
-              <a:rPr lang="en-US" dirty="0"/>
-              <a:t>Refactoring Forecast Fragment</a:t>
-            </a:r>
-            <a:br>
-              <a:rPr lang="en-US" dirty="0"/>
-            </a:br>
-            <a:br>
-              <a:rPr lang="en-US" dirty="0"/>
-            </a:br>
-            <a:r>
-              <a:rPr lang="en-US" dirty="0"/>
-              <a:t>to prepare it for Loader</a:t>
-            </a:r>
-          </a:p>
-        </p:txBody>
-      </p:sp>
-    </p:spTree>
-    <p:extLst>
-      <p:ext uri="{BB962C8B-B14F-4D97-AF65-F5344CB8AC3E}">
-        <p14:creationId xmlns:p14="http://schemas.microsoft.com/office/powerpoint/2010/main" val="2243028937"/>
       </p:ext>
     </p:extLst>
   </p:cSld>
@@ -3909,21 +4421,896 @@
           <a:lstStyle/>
           <a:p>
             <a:r>
-              <a:rPr lang="el-GR" dirty="0"/>
-              <a:t>Χρήση </a:t>
-            </a:r>
-            <a:r>
-              <a:rPr lang="en-US" dirty="0"/>
-              <a:t>Loader </a:t>
-            </a:r>
-            <a:r>
-              <a:rPr lang="el-GR" dirty="0"/>
-              <a:t>στην </a:t>
-            </a:r>
-            <a:r>
-              <a:rPr lang="en-US" dirty="0"/>
-              <a:t>Forecast Fragment</a:t>
-            </a:r>
+              <a:rPr lang="en-US" dirty="0" smtClean="0"/>
+              <a:t>Introduce Weather Provider</a:t>
+            </a:r>
+            <a:endParaRPr lang="en-US" dirty="0"/>
+          </a:p>
+        </p:txBody>
+      </p:sp>
+      <p:sp>
+        <p:nvSpPr>
+          <p:cNvPr id="3" name="Rectangle 2"/>
+          <p:cNvSpPr/>
+          <p:nvPr/>
+        </p:nvSpPr>
+        <p:spPr>
+          <a:xfrm>
+            <a:off x="628650" y="1591541"/>
+            <a:ext cx="8116349" cy="984885"/>
+          </a:xfrm>
+          <a:prstGeom prst="rect">
+            <a:avLst/>
+          </a:prstGeom>
+        </p:spPr>
+        <p:txBody>
+          <a:bodyPr wrap="square">
+            <a:spAutoFit/>
+          </a:bodyPr>
+          <a:lstStyle/>
+          <a:p>
+            <a:r>
+              <a:rPr lang="en-US" sz="2400" dirty="0" smtClean="0"/>
+              <a:t>Get code from here:</a:t>
+            </a:r>
+            <a:endParaRPr lang="en-US" dirty="0" smtClean="0"/>
+          </a:p>
+          <a:p>
+            <a:endParaRPr lang="en-US" dirty="0"/>
+          </a:p>
+          <a:p>
+            <a:pPr algn="ctr"/>
+            <a:r>
+              <a:rPr lang="en-US" sz="1600" dirty="0" smtClean="0">
+                <a:hlinkClick r:id="rId2"/>
+              </a:rPr>
+              <a:t>https</a:t>
+            </a:r>
+            <a:r>
+              <a:rPr lang="en-US" sz="1600" dirty="0">
+                <a:hlinkClick r:id="rId2"/>
+              </a:rPr>
+              <a:t>://github.com/udacity/Sunshine-Version-2/tree/lesson_4_content_provider_starter_code</a:t>
+            </a:r>
+            <a:endParaRPr lang="en-US" sz="1600" dirty="0"/>
+          </a:p>
+        </p:txBody>
+      </p:sp>
+      <p:sp>
+        <p:nvSpPr>
+          <p:cNvPr id="4" name="Rectangle 1"/>
+          <p:cNvSpPr>
+            <a:spLocks noChangeArrowheads="1"/>
+          </p:cNvSpPr>
+          <p:nvPr/>
+        </p:nvSpPr>
+        <p:spPr bwMode="auto">
+          <a:xfrm>
+            <a:off x="611558" y="3388127"/>
+            <a:ext cx="6339877" cy="2466029"/>
+          </a:xfrm>
+          <a:prstGeom prst="rect">
+            <a:avLst/>
+          </a:prstGeom>
+          <a:solidFill>
+            <a:srgbClr val="FFFFFF"/>
+          </a:solidFill>
+          <a:ln>
+            <a:noFill/>
+          </a:ln>
+          <a:effectLst/>
+          <a:extLst>
+            <a:ext uri="{91240B29-F687-4F45-9708-019B960494DF}">
+              <a14:hiddenLine xmlns:a14="http://schemas.microsoft.com/office/drawing/2010/main" w="9525">
+                <a:solidFill>
+                  <a:schemeClr val="tx1"/>
+                </a:solidFill>
+                <a:miter lim="800000"/>
+                <a:headEnd/>
+                <a:tailEnd/>
+              </a14:hiddenLine>
+            </a:ext>
+            <a:ext uri="{AF507438-7753-43E0-B8FC-AC1667EBCBE1}">
+              <a14:hiddenEffects xmlns:a14="http://schemas.microsoft.com/office/drawing/2010/main">
+                <a:effectLst>
+                  <a:outerShdw dist="35921" dir="2700000" algn="ctr" rotWithShape="0">
+                    <a:schemeClr val="bg2"/>
+                  </a:outerShdw>
+                </a:effectLst>
+              </a14:hiddenEffects>
+            </a:ext>
+          </a:extLst>
+        </p:spPr>
+        <p:txBody>
+          <a:bodyPr vert="horz" wrap="none" lIns="0" tIns="0" rIns="0" bIns="95220" numCol="1" anchor="ctr" anchorCtr="0" compatLnSpc="1">
+            <a:prstTxWarp prst="textNoShape">
+              <a:avLst/>
+            </a:prstTxWarp>
+            <a:spAutoFit/>
+          </a:bodyPr>
+          <a:lstStyle>
+            <a:lvl1pPr eaLnBrk="0" fontAlgn="base" hangingPunct="0">
+              <a:spcBef>
+                <a:spcPct val="0"/>
+              </a:spcBef>
+              <a:spcAft>
+                <a:spcPct val="0"/>
+              </a:spcAft>
+              <a:defRPr>
+                <a:solidFill>
+                  <a:schemeClr val="tx1"/>
+                </a:solidFill>
+                <a:latin typeface="Arial" panose="020B0604020202020204" pitchFamily="34" charset="0"/>
+              </a:defRPr>
+            </a:lvl1pPr>
+            <a:lvl2pPr eaLnBrk="0" fontAlgn="base" hangingPunct="0">
+              <a:spcBef>
+                <a:spcPct val="0"/>
+              </a:spcBef>
+              <a:spcAft>
+                <a:spcPct val="0"/>
+              </a:spcAft>
+              <a:defRPr>
+                <a:solidFill>
+                  <a:schemeClr val="tx1"/>
+                </a:solidFill>
+                <a:latin typeface="Arial" panose="020B0604020202020204" pitchFamily="34" charset="0"/>
+              </a:defRPr>
+            </a:lvl2pPr>
+            <a:lvl3pPr eaLnBrk="0" fontAlgn="base" hangingPunct="0">
+              <a:spcBef>
+                <a:spcPct val="0"/>
+              </a:spcBef>
+              <a:spcAft>
+                <a:spcPct val="0"/>
+              </a:spcAft>
+              <a:defRPr>
+                <a:solidFill>
+                  <a:schemeClr val="tx1"/>
+                </a:solidFill>
+                <a:latin typeface="Arial" panose="020B0604020202020204" pitchFamily="34" charset="0"/>
+              </a:defRPr>
+            </a:lvl3pPr>
+            <a:lvl4pPr eaLnBrk="0" fontAlgn="base" hangingPunct="0">
+              <a:spcBef>
+                <a:spcPct val="0"/>
+              </a:spcBef>
+              <a:spcAft>
+                <a:spcPct val="0"/>
+              </a:spcAft>
+              <a:defRPr>
+                <a:solidFill>
+                  <a:schemeClr val="tx1"/>
+                </a:solidFill>
+                <a:latin typeface="Arial" panose="020B0604020202020204" pitchFamily="34" charset="0"/>
+              </a:defRPr>
+            </a:lvl4pPr>
+            <a:lvl5pPr eaLnBrk="0" fontAlgn="base" hangingPunct="0">
+              <a:spcBef>
+                <a:spcPct val="0"/>
+              </a:spcBef>
+              <a:spcAft>
+                <a:spcPct val="0"/>
+              </a:spcAft>
+              <a:defRPr>
+                <a:solidFill>
+                  <a:schemeClr val="tx1"/>
+                </a:solidFill>
+                <a:latin typeface="Arial" panose="020B0604020202020204" pitchFamily="34" charset="0"/>
+              </a:defRPr>
+            </a:lvl5pPr>
+            <a:lvl6pPr eaLnBrk="0" fontAlgn="base" hangingPunct="0">
+              <a:spcBef>
+                <a:spcPct val="0"/>
+              </a:spcBef>
+              <a:spcAft>
+                <a:spcPct val="0"/>
+              </a:spcAft>
+              <a:defRPr>
+                <a:solidFill>
+                  <a:schemeClr val="tx1"/>
+                </a:solidFill>
+                <a:latin typeface="Arial" panose="020B0604020202020204" pitchFamily="34" charset="0"/>
+              </a:defRPr>
+            </a:lvl6pPr>
+            <a:lvl7pPr eaLnBrk="0" fontAlgn="base" hangingPunct="0">
+              <a:spcBef>
+                <a:spcPct val="0"/>
+              </a:spcBef>
+              <a:spcAft>
+                <a:spcPct val="0"/>
+              </a:spcAft>
+              <a:defRPr>
+                <a:solidFill>
+                  <a:schemeClr val="tx1"/>
+                </a:solidFill>
+                <a:latin typeface="Arial" panose="020B0604020202020204" pitchFamily="34" charset="0"/>
+              </a:defRPr>
+            </a:lvl7pPr>
+            <a:lvl8pPr eaLnBrk="0" fontAlgn="base" hangingPunct="0">
+              <a:spcBef>
+                <a:spcPct val="0"/>
+              </a:spcBef>
+              <a:spcAft>
+                <a:spcPct val="0"/>
+              </a:spcAft>
+              <a:defRPr>
+                <a:solidFill>
+                  <a:schemeClr val="tx1"/>
+                </a:solidFill>
+                <a:latin typeface="Arial" panose="020B0604020202020204" pitchFamily="34" charset="0"/>
+              </a:defRPr>
+            </a:lvl8pPr>
+            <a:lvl9pPr eaLnBrk="0" fontAlgn="base" hangingPunct="0">
+              <a:spcBef>
+                <a:spcPct val="0"/>
+              </a:spcBef>
+              <a:spcAft>
+                <a:spcPct val="0"/>
+              </a:spcAft>
+              <a:defRPr>
+                <a:solidFill>
+                  <a:schemeClr val="tx1"/>
+                </a:solidFill>
+                <a:latin typeface="Arial" panose="020B0604020202020204" pitchFamily="34" charset="0"/>
+              </a:defRPr>
+            </a:lvl9pPr>
+          </a:lstStyle>
+          <a:p>
+            <a:pPr marL="0" marR="0" lvl="0" indent="0" algn="l" defTabSz="914400" rtl="0" eaLnBrk="0" fontAlgn="base" latinLnBrk="0" hangingPunct="0">
+              <a:lnSpc>
+                <a:spcPct val="100000"/>
+              </a:lnSpc>
+              <a:spcBef>
+                <a:spcPct val="0"/>
+              </a:spcBef>
+              <a:spcAft>
+                <a:spcPct val="0"/>
+              </a:spcAft>
+              <a:buClrTx/>
+              <a:buSzTx/>
+              <a:buFontTx/>
+              <a:buChar char="•"/>
+              <a:tabLst/>
+            </a:pPr>
+            <a:r>
+              <a:rPr kumimoji="0" lang="en-US" altLang="en-US" sz="1100" b="0" i="0" u="none" strike="noStrike" cap="none" normalizeH="0" baseline="0" dirty="0" smtClean="0">
+                <a:ln>
+                  <a:noFill/>
+                </a:ln>
+                <a:solidFill>
+                  <a:srgbClr val="4F4F4F"/>
+                </a:solidFill>
+                <a:effectLst/>
+                <a:latin typeface="inherit"/>
+              </a:rPr>
+              <a:t>TestProvider.java</a:t>
+            </a:r>
+          </a:p>
+          <a:p>
+            <a:pPr marL="0" marR="0" lvl="0" indent="0" algn="l" defTabSz="914400" rtl="0" eaLnBrk="0" fontAlgn="base" latinLnBrk="0" hangingPunct="0">
+              <a:lnSpc>
+                <a:spcPct val="100000"/>
+              </a:lnSpc>
+              <a:spcBef>
+                <a:spcPct val="0"/>
+              </a:spcBef>
+              <a:spcAft>
+                <a:spcPct val="0"/>
+              </a:spcAft>
+              <a:buClrTx/>
+              <a:buSzTx/>
+              <a:buFontTx/>
+              <a:buChar char="•"/>
+              <a:tabLst/>
+            </a:pPr>
+            <a:r>
+              <a:rPr kumimoji="0" lang="en-US" altLang="en-US" sz="1100" b="0" i="0" u="none" strike="noStrike" cap="none" normalizeH="0" baseline="0" dirty="0" smtClean="0">
+                <a:ln>
+                  <a:noFill/>
+                </a:ln>
+                <a:solidFill>
+                  <a:srgbClr val="4F4F4F"/>
+                </a:solidFill>
+                <a:effectLst/>
+                <a:latin typeface="inherit"/>
+              </a:rPr>
+              <a:t>TestUriMatcher.java</a:t>
+            </a:r>
+          </a:p>
+          <a:p>
+            <a:pPr marL="0" marR="0" lvl="0" indent="0" algn="l" defTabSz="914400" rtl="0" eaLnBrk="0" fontAlgn="base" latinLnBrk="0" hangingPunct="0">
+              <a:lnSpc>
+                <a:spcPct val="100000"/>
+              </a:lnSpc>
+              <a:spcBef>
+                <a:spcPct val="0"/>
+              </a:spcBef>
+              <a:spcAft>
+                <a:spcPct val="0"/>
+              </a:spcAft>
+              <a:buClrTx/>
+              <a:buSzTx/>
+              <a:buFontTx/>
+              <a:buChar char="•"/>
+              <a:tabLst/>
+            </a:pPr>
+            <a:r>
+              <a:rPr kumimoji="0" lang="en-US" altLang="en-US" sz="1100" b="0" i="0" u="none" strike="noStrike" cap="none" normalizeH="0" baseline="0" dirty="0" smtClean="0">
+                <a:ln>
+                  <a:noFill/>
+                </a:ln>
+                <a:solidFill>
+                  <a:srgbClr val="4F4F4F"/>
+                </a:solidFill>
+                <a:effectLst/>
+                <a:latin typeface="inherit"/>
+              </a:rPr>
+              <a:t>TestWeatherContract.java</a:t>
+            </a:r>
+            <a:endParaRPr lang="en-US" altLang="en-US" sz="1100" dirty="0">
+              <a:solidFill>
+                <a:srgbClr val="4F4F4F"/>
+              </a:solidFill>
+              <a:latin typeface="Open Sans"/>
+            </a:endParaRPr>
+          </a:p>
+          <a:p>
+            <a:pPr lvl="0" defTabSz="914400"/>
+            <a:r>
+              <a:rPr lang="en-US" altLang="en-US" sz="1100" dirty="0">
+                <a:solidFill>
+                  <a:srgbClr val="4F4F4F"/>
+                </a:solidFill>
+                <a:latin typeface="Open Sans"/>
+              </a:rPr>
+              <a:t>should be put in </a:t>
+            </a:r>
+            <a:r>
+              <a:rPr lang="en-US" altLang="en-US" sz="1100" dirty="0">
+                <a:solidFill>
+                  <a:srgbClr val="C7254E"/>
+                </a:solidFill>
+                <a:latin typeface="Lucida Console" panose="020B0609040504020204" pitchFamily="49" charset="0"/>
+              </a:rPr>
+              <a:t>app/</a:t>
+            </a:r>
+            <a:r>
+              <a:rPr lang="en-US" altLang="en-US" sz="1100" dirty="0" err="1">
+                <a:solidFill>
+                  <a:srgbClr val="C7254E"/>
+                </a:solidFill>
+                <a:latin typeface="Lucida Console" panose="020B0609040504020204" pitchFamily="49" charset="0"/>
+              </a:rPr>
+              <a:t>src</a:t>
+            </a:r>
+            <a:r>
+              <a:rPr lang="en-US" altLang="en-US" sz="1100" dirty="0">
+                <a:solidFill>
+                  <a:srgbClr val="C7254E"/>
+                </a:solidFill>
+                <a:latin typeface="Lucida Console" panose="020B0609040504020204" pitchFamily="49" charset="0"/>
+              </a:rPr>
+              <a:t>/</a:t>
+            </a:r>
+            <a:r>
+              <a:rPr lang="en-US" altLang="en-US" sz="1100" dirty="0" err="1">
+                <a:solidFill>
+                  <a:srgbClr val="C7254E"/>
+                </a:solidFill>
+                <a:latin typeface="Lucida Console" panose="020B0609040504020204" pitchFamily="49" charset="0"/>
+              </a:rPr>
+              <a:t>androidTest</a:t>
+            </a:r>
+            <a:r>
+              <a:rPr lang="en-US" altLang="en-US" sz="1100" dirty="0">
+                <a:solidFill>
+                  <a:srgbClr val="C7254E"/>
+                </a:solidFill>
+                <a:latin typeface="Lucida Console" panose="020B0609040504020204" pitchFamily="49" charset="0"/>
+              </a:rPr>
+              <a:t>/java/com/example/android/sunshine/app/data</a:t>
+            </a:r>
+            <a:r>
+              <a:rPr lang="en-US" altLang="en-US" sz="1100" dirty="0">
+                <a:solidFill>
+                  <a:srgbClr val="4F4F4F"/>
+                </a:solidFill>
+                <a:latin typeface="Open Sans"/>
+              </a:rPr>
+              <a:t>:</a:t>
+            </a:r>
+            <a:endParaRPr lang="en-US" altLang="en-US" sz="1100" dirty="0"/>
+          </a:p>
+          <a:p>
+            <a:pPr marL="0" marR="0" lvl="0" indent="0" algn="l" defTabSz="914400" rtl="0" eaLnBrk="0" fontAlgn="base" latinLnBrk="0" hangingPunct="0">
+              <a:lnSpc>
+                <a:spcPct val="100000"/>
+              </a:lnSpc>
+              <a:spcBef>
+                <a:spcPct val="0"/>
+              </a:spcBef>
+              <a:spcAft>
+                <a:spcPct val="0"/>
+              </a:spcAft>
+              <a:buClrTx/>
+              <a:buSzTx/>
+              <a:buFontTx/>
+              <a:buChar char="•"/>
+              <a:tabLst/>
+            </a:pPr>
+            <a:endParaRPr kumimoji="0" lang="en-US" altLang="en-US" sz="1100" b="0" i="0" u="none" strike="noStrike" cap="none" normalizeH="0" baseline="0" dirty="0" smtClean="0">
+              <a:ln>
+                <a:noFill/>
+              </a:ln>
+              <a:solidFill>
+                <a:srgbClr val="4F4F4F"/>
+              </a:solidFill>
+              <a:effectLst/>
+              <a:latin typeface="Open Sans"/>
+            </a:endParaRPr>
+          </a:p>
+          <a:p>
+            <a:pPr marL="0" marR="0" lvl="0" indent="0" algn="l" defTabSz="914400" rtl="0" eaLnBrk="0" fontAlgn="base" latinLnBrk="0" hangingPunct="0">
+              <a:lnSpc>
+                <a:spcPct val="100000"/>
+              </a:lnSpc>
+              <a:spcBef>
+                <a:spcPct val="0"/>
+              </a:spcBef>
+              <a:spcAft>
+                <a:spcPct val="0"/>
+              </a:spcAft>
+              <a:buClrTx/>
+              <a:buSzTx/>
+              <a:buFontTx/>
+              <a:buChar char="•"/>
+              <a:tabLst/>
+            </a:pPr>
+            <a:r>
+              <a:rPr kumimoji="0" lang="en-US" altLang="en-US" sz="1100" b="0" i="0" u="none" strike="noStrike" cap="none" normalizeH="0" baseline="0" dirty="0" smtClean="0">
+                <a:ln>
+                  <a:noFill/>
+                </a:ln>
+                <a:solidFill>
+                  <a:srgbClr val="4F4F4F"/>
+                </a:solidFill>
+                <a:effectLst/>
+                <a:latin typeface="inherit"/>
+              </a:rPr>
+              <a:t>TestFetchWeatherTask.java</a:t>
+            </a:r>
+            <a:endParaRPr lang="en-US" altLang="en-US" sz="1100" dirty="0">
+              <a:solidFill>
+                <a:srgbClr val="4F4F4F"/>
+              </a:solidFill>
+              <a:latin typeface="inherit"/>
+            </a:endParaRPr>
+          </a:p>
+          <a:p>
+            <a:pPr defTabSz="914400"/>
+            <a:r>
+              <a:rPr lang="en-US" altLang="en-US" sz="1100" dirty="0">
+                <a:solidFill>
+                  <a:srgbClr val="4F4F4F"/>
+                </a:solidFill>
+                <a:latin typeface="Open Sans"/>
+              </a:rPr>
+              <a:t>should be put in  </a:t>
+            </a:r>
+            <a:r>
+              <a:rPr lang="en-US" altLang="en-US" sz="1100" dirty="0">
+                <a:solidFill>
+                  <a:srgbClr val="C7254E"/>
+                </a:solidFill>
+                <a:latin typeface="Lucida Console" panose="020B0609040504020204" pitchFamily="49" charset="0"/>
+              </a:rPr>
+              <a:t>app/</a:t>
+            </a:r>
+            <a:r>
+              <a:rPr lang="en-US" altLang="en-US" sz="1100" dirty="0" err="1">
+                <a:solidFill>
+                  <a:srgbClr val="C7254E"/>
+                </a:solidFill>
+                <a:latin typeface="Lucida Console" panose="020B0609040504020204" pitchFamily="49" charset="0"/>
+              </a:rPr>
+              <a:t>src</a:t>
+            </a:r>
+            <a:r>
+              <a:rPr lang="en-US" altLang="en-US" sz="1100" dirty="0">
+                <a:solidFill>
+                  <a:srgbClr val="C7254E"/>
+                </a:solidFill>
+                <a:latin typeface="Lucida Console" panose="020B0609040504020204" pitchFamily="49" charset="0"/>
+              </a:rPr>
+              <a:t>/</a:t>
+            </a:r>
+            <a:r>
+              <a:rPr lang="en-US" altLang="en-US" sz="1100" dirty="0" err="1">
+                <a:solidFill>
+                  <a:srgbClr val="C7254E"/>
+                </a:solidFill>
+                <a:latin typeface="Lucida Console" panose="020B0609040504020204" pitchFamily="49" charset="0"/>
+              </a:rPr>
+              <a:t>androidTest</a:t>
+            </a:r>
+            <a:r>
+              <a:rPr lang="en-US" altLang="en-US" sz="1100" dirty="0">
+                <a:solidFill>
+                  <a:srgbClr val="C7254E"/>
+                </a:solidFill>
+                <a:latin typeface="Lucida Console" panose="020B0609040504020204" pitchFamily="49" charset="0"/>
+              </a:rPr>
+              <a:t>/java/com/example/android/sunshine/app</a:t>
+            </a:r>
+            <a:r>
+              <a:rPr lang="en-US" altLang="en-US" sz="1100" dirty="0" smtClean="0">
+                <a:solidFill>
+                  <a:srgbClr val="C7254E"/>
+                </a:solidFill>
+                <a:latin typeface="Lucida Console" panose="020B0609040504020204" pitchFamily="49" charset="0"/>
+              </a:rPr>
+              <a:t>/</a:t>
+            </a:r>
+            <a:endParaRPr kumimoji="0" lang="en-US" altLang="en-US" sz="1100" b="0" i="0" u="none" strike="noStrike" cap="none" normalizeH="0" baseline="0" dirty="0" smtClean="0">
+              <a:ln>
+                <a:noFill/>
+              </a:ln>
+              <a:solidFill>
+                <a:srgbClr val="4F4F4F"/>
+              </a:solidFill>
+              <a:effectLst/>
+              <a:latin typeface="Open Sans"/>
+            </a:endParaRPr>
+          </a:p>
+          <a:p>
+            <a:pPr marL="0" marR="0" lvl="0" indent="0" algn="l" defTabSz="914400" rtl="0" eaLnBrk="0" fontAlgn="base" latinLnBrk="0" hangingPunct="0">
+              <a:lnSpc>
+                <a:spcPct val="100000"/>
+              </a:lnSpc>
+              <a:spcBef>
+                <a:spcPct val="0"/>
+              </a:spcBef>
+              <a:spcAft>
+                <a:spcPct val="0"/>
+              </a:spcAft>
+              <a:buClrTx/>
+              <a:buSzTx/>
+              <a:buFontTx/>
+              <a:buNone/>
+              <a:tabLst/>
+            </a:pPr>
+            <a:endParaRPr kumimoji="0" lang="en-US" altLang="en-US" sz="1100" b="0" i="0" u="none" strike="noStrike" cap="none" normalizeH="0" baseline="0" dirty="0" smtClean="0">
+              <a:ln>
+                <a:noFill/>
+              </a:ln>
+              <a:solidFill>
+                <a:schemeClr val="tx1"/>
+              </a:solidFill>
+              <a:effectLst/>
+            </a:endParaRPr>
+          </a:p>
+          <a:p>
+            <a:pPr marL="0" marR="0" lvl="0" indent="0" algn="l" defTabSz="914400" rtl="0" eaLnBrk="0" fontAlgn="base" latinLnBrk="0" hangingPunct="0">
+              <a:lnSpc>
+                <a:spcPct val="100000"/>
+              </a:lnSpc>
+              <a:spcBef>
+                <a:spcPct val="0"/>
+              </a:spcBef>
+              <a:spcAft>
+                <a:spcPct val="0"/>
+              </a:spcAft>
+              <a:buClrTx/>
+              <a:buSzTx/>
+              <a:buFontTx/>
+              <a:buChar char="•"/>
+              <a:tabLst/>
+            </a:pPr>
+            <a:r>
+              <a:rPr kumimoji="0" lang="en-US" altLang="en-US" sz="1100" b="0" i="0" u="none" strike="noStrike" cap="none" normalizeH="0" baseline="0" dirty="0" smtClean="0">
+                <a:ln>
+                  <a:noFill/>
+                </a:ln>
+                <a:solidFill>
+                  <a:srgbClr val="4F4F4F"/>
+                </a:solidFill>
+                <a:effectLst/>
+                <a:latin typeface="inherit"/>
+              </a:rPr>
+              <a:t>WeatherProvider.java</a:t>
+            </a:r>
+          </a:p>
+          <a:p>
+            <a:pPr marL="0" marR="0" lvl="0" indent="0" algn="l" defTabSz="914400" rtl="0" eaLnBrk="0" fontAlgn="base" latinLnBrk="0" hangingPunct="0">
+              <a:lnSpc>
+                <a:spcPct val="100000"/>
+              </a:lnSpc>
+              <a:spcBef>
+                <a:spcPct val="0"/>
+              </a:spcBef>
+              <a:spcAft>
+                <a:spcPct val="0"/>
+              </a:spcAft>
+              <a:buClrTx/>
+              <a:buSzTx/>
+              <a:buFontTx/>
+              <a:buChar char="•"/>
+              <a:tabLst/>
+            </a:pPr>
+            <a:r>
+              <a:rPr lang="en-US" altLang="en-US" sz="1100" dirty="0" smtClean="0">
+                <a:solidFill>
+                  <a:srgbClr val="4F4F4F"/>
+                </a:solidFill>
+                <a:latin typeface="Open Sans"/>
+              </a:rPr>
+              <a:t>should </a:t>
+            </a:r>
+            <a:r>
+              <a:rPr lang="en-US" altLang="en-US" sz="1100" dirty="0">
+                <a:solidFill>
+                  <a:srgbClr val="4F4F4F"/>
+                </a:solidFill>
+                <a:latin typeface="Open Sans"/>
+              </a:rPr>
+              <a:t>be put into </a:t>
+            </a:r>
+            <a:r>
+              <a:rPr lang="en-US" altLang="en-US" sz="1100" dirty="0" smtClean="0">
+                <a:solidFill>
+                  <a:srgbClr val="C7254E"/>
+                </a:solidFill>
+                <a:latin typeface="Lucida Console" panose="020B0609040504020204" pitchFamily="49" charset="0"/>
+              </a:rPr>
+              <a:t>app/</a:t>
+            </a:r>
+            <a:r>
+              <a:rPr lang="en-US" altLang="en-US" sz="1100" dirty="0" err="1" smtClean="0">
+                <a:solidFill>
+                  <a:srgbClr val="C7254E"/>
+                </a:solidFill>
+                <a:latin typeface="Lucida Console" panose="020B0609040504020204" pitchFamily="49" charset="0"/>
+              </a:rPr>
+              <a:t>src</a:t>
+            </a:r>
+            <a:r>
+              <a:rPr lang="en-US" altLang="en-US" sz="1100" dirty="0" smtClean="0">
+                <a:solidFill>
+                  <a:srgbClr val="C7254E"/>
+                </a:solidFill>
+                <a:latin typeface="Lucida Console" panose="020B0609040504020204" pitchFamily="49" charset="0"/>
+              </a:rPr>
+              <a:t>/main/java/com/example/android/sunshine/app/data</a:t>
+            </a:r>
+          </a:p>
+          <a:p>
+            <a:pPr marL="0" marR="0" lvl="0" indent="0" algn="l" defTabSz="914400" rtl="0" eaLnBrk="0" fontAlgn="base" latinLnBrk="0" hangingPunct="0">
+              <a:lnSpc>
+                <a:spcPct val="100000"/>
+              </a:lnSpc>
+              <a:spcBef>
+                <a:spcPct val="0"/>
+              </a:spcBef>
+              <a:spcAft>
+                <a:spcPct val="0"/>
+              </a:spcAft>
+              <a:buClrTx/>
+              <a:buSzTx/>
+              <a:buFontTx/>
+              <a:buChar char="•"/>
+              <a:tabLst/>
+            </a:pPr>
+            <a:endParaRPr kumimoji="0" lang="en-US" altLang="en-US" sz="1100" b="0" i="0" u="none" strike="noStrike" cap="none" normalizeH="0" baseline="0" dirty="0" smtClean="0">
+              <a:ln>
+                <a:noFill/>
+              </a:ln>
+              <a:solidFill>
+                <a:srgbClr val="4F4F4F"/>
+              </a:solidFill>
+              <a:effectLst/>
+              <a:latin typeface="Open Sans"/>
+            </a:endParaRPr>
+          </a:p>
+          <a:p>
+            <a:pPr marL="0" marR="0" lvl="0" indent="0" algn="l" defTabSz="914400" rtl="0" eaLnBrk="0" fontAlgn="base" latinLnBrk="0" hangingPunct="0">
+              <a:lnSpc>
+                <a:spcPct val="100000"/>
+              </a:lnSpc>
+              <a:spcBef>
+                <a:spcPct val="0"/>
+              </a:spcBef>
+              <a:spcAft>
+                <a:spcPct val="0"/>
+              </a:spcAft>
+              <a:buClrTx/>
+              <a:buSzTx/>
+              <a:buFontTx/>
+              <a:buChar char="•"/>
+              <a:tabLst/>
+            </a:pPr>
+            <a:r>
+              <a:rPr kumimoji="0" lang="en-US" altLang="en-US" sz="1100" b="0" i="0" u="none" strike="noStrike" cap="none" normalizeH="0" baseline="0" dirty="0" smtClean="0">
+                <a:ln>
+                  <a:noFill/>
+                </a:ln>
+                <a:solidFill>
+                  <a:srgbClr val="4F4F4F"/>
+                </a:solidFill>
+                <a:effectLst/>
+                <a:latin typeface="inherit"/>
+              </a:rPr>
+              <a:t>FetchWeatherTask.java</a:t>
+            </a:r>
+          </a:p>
+          <a:p>
+            <a:pPr marL="0" marR="0" lvl="0" indent="0" algn="l" defTabSz="914400" rtl="0" eaLnBrk="0" fontAlgn="base" latinLnBrk="0" hangingPunct="0">
+              <a:lnSpc>
+                <a:spcPct val="100000"/>
+              </a:lnSpc>
+              <a:spcBef>
+                <a:spcPct val="0"/>
+              </a:spcBef>
+              <a:spcAft>
+                <a:spcPct val="0"/>
+              </a:spcAft>
+              <a:buClrTx/>
+              <a:buSzTx/>
+              <a:tabLst/>
+            </a:pPr>
+            <a:r>
+              <a:rPr lang="en-US" altLang="en-US" sz="1100" dirty="0" smtClean="0">
+                <a:solidFill>
+                  <a:srgbClr val="4F4F4F"/>
+                </a:solidFill>
+                <a:latin typeface="Open Sans"/>
+              </a:rPr>
+              <a:t>should </a:t>
+            </a:r>
+            <a:r>
+              <a:rPr lang="en-US" altLang="en-US" sz="1100" dirty="0">
+                <a:solidFill>
+                  <a:srgbClr val="4F4F4F"/>
+                </a:solidFill>
+                <a:latin typeface="Open Sans"/>
+              </a:rPr>
+              <a:t>be </a:t>
+            </a:r>
+            <a:r>
+              <a:rPr lang="en-US" altLang="en-US" sz="1100" dirty="0" smtClean="0">
+                <a:solidFill>
+                  <a:srgbClr val="4F4F4F"/>
+                </a:solidFill>
+                <a:latin typeface="Open Sans"/>
+              </a:rPr>
+              <a:t>placed </a:t>
+            </a:r>
+            <a:r>
+              <a:rPr lang="en-US" altLang="en-US" sz="1100" dirty="0">
+                <a:solidFill>
+                  <a:srgbClr val="4F4F4F"/>
+                </a:solidFill>
+                <a:latin typeface="Open Sans"/>
+              </a:rPr>
+              <a:t>here </a:t>
+            </a:r>
+            <a:r>
+              <a:rPr lang="en-US" altLang="en-US" sz="1100" dirty="0">
+                <a:solidFill>
+                  <a:srgbClr val="C7254E"/>
+                </a:solidFill>
+                <a:latin typeface="Lucida Console" panose="020B0609040504020204" pitchFamily="49" charset="0"/>
+              </a:rPr>
+              <a:t>/app/</a:t>
+            </a:r>
+            <a:r>
+              <a:rPr lang="en-US" altLang="en-US" sz="1100" dirty="0" err="1">
+                <a:solidFill>
+                  <a:srgbClr val="C7254E"/>
+                </a:solidFill>
+                <a:latin typeface="Lucida Console" panose="020B0609040504020204" pitchFamily="49" charset="0"/>
+              </a:rPr>
+              <a:t>src</a:t>
+            </a:r>
+            <a:r>
+              <a:rPr lang="en-US" altLang="en-US" sz="1100" dirty="0">
+                <a:solidFill>
+                  <a:srgbClr val="C7254E"/>
+                </a:solidFill>
+                <a:latin typeface="Lucida Console" panose="020B0609040504020204" pitchFamily="49" charset="0"/>
+              </a:rPr>
+              <a:t>/main/java/com/example/android/sunshine/app</a:t>
+            </a:r>
+            <a:endParaRPr kumimoji="0" lang="en-US" altLang="en-US" sz="1100" b="0" i="0" u="none" strike="noStrike" cap="none" normalizeH="0" baseline="0" dirty="0" smtClean="0">
+              <a:ln>
+                <a:noFill/>
+              </a:ln>
+              <a:solidFill>
+                <a:srgbClr val="4F4F4F"/>
+              </a:solidFill>
+              <a:effectLst/>
+              <a:latin typeface="Open Sans"/>
+            </a:endParaRPr>
+          </a:p>
+          <a:p>
+            <a:pPr marL="0" marR="0" lvl="0" indent="0" algn="l" defTabSz="914400" rtl="0" eaLnBrk="0" fontAlgn="base" latinLnBrk="0" hangingPunct="0">
+              <a:lnSpc>
+                <a:spcPct val="100000"/>
+              </a:lnSpc>
+              <a:spcBef>
+                <a:spcPct val="0"/>
+              </a:spcBef>
+              <a:spcAft>
+                <a:spcPct val="0"/>
+              </a:spcAft>
+              <a:buClrTx/>
+              <a:buSzTx/>
+              <a:buFontTx/>
+              <a:buNone/>
+              <a:tabLst/>
+            </a:pPr>
+            <a:endParaRPr kumimoji="0" lang="en-US" altLang="en-US" sz="1100" b="0" i="0" u="none" strike="noStrike" cap="none" normalizeH="0" baseline="0" dirty="0" smtClean="0">
+              <a:ln>
+                <a:noFill/>
+              </a:ln>
+              <a:solidFill>
+                <a:schemeClr val="tx1"/>
+              </a:solidFill>
+              <a:effectLst/>
+            </a:endParaRPr>
+          </a:p>
+        </p:txBody>
+      </p:sp>
+    </p:spTree>
+    <p:extLst>
+      <p:ext uri="{BB962C8B-B14F-4D97-AF65-F5344CB8AC3E}">
+        <p14:creationId xmlns:p14="http://schemas.microsoft.com/office/powerpoint/2010/main" val="4273581316"/>
+      </p:ext>
+    </p:extLst>
+  </p:cSld>
+  <p:clrMapOvr>
+    <a:masterClrMapping/>
+  </p:clrMapOvr>
+</p:sld>
+</file>
+
+<file path=ppt/slides/slide18.xml><?xml version="1.0" encoding="utf-8"?>
+<p:sld xmlns:a="http://schemas.openxmlformats.org/drawingml/2006/main" xmlns:r="http://schemas.openxmlformats.org/officeDocument/2006/relationships" xmlns:p="http://schemas.openxmlformats.org/presentationml/2006/main">
+  <p:cSld>
+    <p:spTree>
+      <p:nvGrpSpPr>
+        <p:cNvPr id="1" name=""/>
+        <p:cNvGrpSpPr/>
+        <p:nvPr/>
+      </p:nvGrpSpPr>
+      <p:grpSpPr>
+        <a:xfrm>
+          <a:off x="0" y="0"/>
+          <a:ext cx="0" cy="0"/>
+          <a:chOff x="0" y="0"/>
+          <a:chExt cx="0" cy="0"/>
+        </a:xfrm>
+      </p:grpSpPr>
+      <p:sp>
+        <p:nvSpPr>
+          <p:cNvPr id="2" name="Title 1"/>
+          <p:cNvSpPr>
+            <a:spLocks noGrp="1"/>
+          </p:cNvSpPr>
+          <p:nvPr>
+            <p:ph type="title"/>
+          </p:nvPr>
+        </p:nvSpPr>
+        <p:spPr/>
+        <p:txBody>
+          <a:bodyPr/>
+          <a:lstStyle/>
+          <a:p>
+            <a:r>
+              <a:rPr lang="en-US" dirty="0" smtClean="0"/>
+              <a:t>Exercise</a:t>
+            </a:r>
+            <a:endParaRPr lang="en-US" dirty="0"/>
           </a:p>
         </p:txBody>
       </p:sp>
@@ -3936,61 +5323,97 @@
           <p:nvPr/>
         </p:nvPicPr>
         <p:blipFill>
-          <a:blip r:embed="rId2"/>
+          <a:blip r:embed="rId3"/>
           <a:stretch>
             <a:fillRect/>
           </a:stretch>
         </p:blipFill>
         <p:spPr>
           <a:xfrm>
-            <a:off x="416904" y="1856216"/>
-            <a:ext cx="8590844" cy="4107262"/>
+            <a:off x="466725" y="2148543"/>
+            <a:ext cx="8210550" cy="4591050"/>
           </a:xfrm>
           <a:prstGeom prst="rect">
             <a:avLst/>
           </a:prstGeom>
         </p:spPr>
       </p:pic>
-      <p:sp>
-        <p:nvSpPr>
-          <p:cNvPr id="4" name="TextBox 3"/>
-          <p:cNvSpPr txBox="1"/>
-          <p:nvPr/>
-        </p:nvSpPr>
-        <p:spPr>
-          <a:xfrm>
-            <a:off x="946205" y="5963478"/>
-            <a:ext cx="7068710" cy="646331"/>
-          </a:xfrm>
-          <a:prstGeom prst="rect">
-            <a:avLst/>
-          </a:prstGeom>
-          <a:noFill/>
-        </p:spPr>
-        <p:txBody>
-          <a:bodyPr wrap="square" rtlCol="0">
-            <a:spAutoFit/>
-          </a:bodyPr>
-          <a:lstStyle/>
-          <a:p>
-            <a:r>
-              <a:rPr lang="en-US" dirty="0"/>
-              <a:t>see section: </a:t>
-            </a:r>
-            <a:r>
-              <a:rPr lang="en-US" b="1" dirty="0"/>
-              <a:t>Use of Loaders in Forecast Fragment</a:t>
-            </a:r>
-          </a:p>
-          <a:p>
-            <a:endParaRPr lang="en-US" dirty="0"/>
-          </a:p>
-        </p:txBody>
-      </p:sp>
     </p:spTree>
     <p:extLst>
       <p:ext uri="{BB962C8B-B14F-4D97-AF65-F5344CB8AC3E}">
-        <p14:creationId xmlns:p14="http://schemas.microsoft.com/office/powerpoint/2010/main" val="3430623349"/>
+        <p14:creationId xmlns:p14="http://schemas.microsoft.com/office/powerpoint/2010/main" val="3384882608"/>
+      </p:ext>
+    </p:extLst>
+  </p:cSld>
+  <p:clrMapOvr>
+    <a:masterClrMapping/>
+  </p:clrMapOvr>
+</p:sld>
+</file>
+
+<file path=ppt/slides/slide19.xml><?xml version="1.0" encoding="utf-8"?>
+<p:sld xmlns:a="http://schemas.openxmlformats.org/drawingml/2006/main" xmlns:r="http://schemas.openxmlformats.org/officeDocument/2006/relationships" xmlns:p="http://schemas.openxmlformats.org/presentationml/2006/main">
+  <p:cSld>
+    <p:spTree>
+      <p:nvGrpSpPr>
+        <p:cNvPr id="1" name=""/>
+        <p:cNvGrpSpPr/>
+        <p:nvPr/>
+      </p:nvGrpSpPr>
+      <p:grpSpPr>
+        <a:xfrm>
+          <a:off x="0" y="0"/>
+          <a:ext cx="0" cy="0"/>
+          <a:chOff x="0" y="0"/>
+          <a:chExt cx="0" cy="0"/>
+        </a:xfrm>
+      </p:grpSpPr>
+      <p:sp>
+        <p:nvSpPr>
+          <p:cNvPr id="3" name="Title 2"/>
+          <p:cNvSpPr>
+            <a:spLocks noGrp="1"/>
+          </p:cNvSpPr>
+          <p:nvPr>
+            <p:ph type="ctrTitle"/>
+          </p:nvPr>
+        </p:nvSpPr>
+        <p:spPr/>
+        <p:txBody>
+          <a:bodyPr/>
+          <a:lstStyle/>
+          <a:p>
+            <a:r>
+              <a:rPr lang="en-US" dirty="0" smtClean="0"/>
+              <a:t>Uri Matcher</a:t>
+            </a:r>
+            <a:endParaRPr lang="en-US" dirty="0"/>
+          </a:p>
+        </p:txBody>
+      </p:sp>
+      <p:sp>
+        <p:nvSpPr>
+          <p:cNvPr id="4" name="Subtitle 3"/>
+          <p:cNvSpPr>
+            <a:spLocks noGrp="1"/>
+          </p:cNvSpPr>
+          <p:nvPr>
+            <p:ph type="subTitle" idx="1"/>
+          </p:nvPr>
+        </p:nvSpPr>
+        <p:spPr/>
+        <p:txBody>
+          <a:bodyPr/>
+          <a:lstStyle/>
+          <a:p>
+            <a:endParaRPr lang="en-US"/>
+          </a:p>
+        </p:txBody>
+      </p:sp>
+    </p:spTree>
+    <p:extLst>
+      <p:ext uri="{BB962C8B-B14F-4D97-AF65-F5344CB8AC3E}">
+        <p14:creationId xmlns:p14="http://schemas.microsoft.com/office/powerpoint/2010/main" val="4230704132"/>
       </p:ext>
     </p:extLst>
   </p:cSld>
@@ -4089,6 +5512,387 @@
     <p:extLst>
       <p:ext uri="{BB962C8B-B14F-4D97-AF65-F5344CB8AC3E}">
         <p14:creationId xmlns:p14="http://schemas.microsoft.com/office/powerpoint/2010/main" val="2541255827"/>
+      </p:ext>
+    </p:extLst>
+  </p:cSld>
+  <p:clrMapOvr>
+    <a:masterClrMapping/>
+  </p:clrMapOvr>
+</p:sld>
+</file>
+
+<file path=ppt/slides/slide20.xml><?xml version="1.0" encoding="utf-8"?>
+<p:sld xmlns:a="http://schemas.openxmlformats.org/drawingml/2006/main" xmlns:r="http://schemas.openxmlformats.org/officeDocument/2006/relationships" xmlns:p="http://schemas.openxmlformats.org/presentationml/2006/main">
+  <p:cSld>
+    <p:spTree>
+      <p:nvGrpSpPr>
+        <p:cNvPr id="1" name=""/>
+        <p:cNvGrpSpPr/>
+        <p:nvPr/>
+      </p:nvGrpSpPr>
+      <p:grpSpPr>
+        <a:xfrm>
+          <a:off x="0" y="0"/>
+          <a:ext cx="0" cy="0"/>
+          <a:chOff x="0" y="0"/>
+          <a:chExt cx="0" cy="0"/>
+        </a:xfrm>
+      </p:grpSpPr>
+      <p:sp>
+        <p:nvSpPr>
+          <p:cNvPr id="2" name="Title 1"/>
+          <p:cNvSpPr>
+            <a:spLocks noGrp="1"/>
+          </p:cNvSpPr>
+          <p:nvPr>
+            <p:ph type="title"/>
+          </p:nvPr>
+        </p:nvSpPr>
+        <p:spPr/>
+        <p:txBody>
+          <a:bodyPr/>
+          <a:lstStyle/>
+          <a:p>
+            <a:endParaRPr lang="en-US"/>
+          </a:p>
+        </p:txBody>
+      </p:sp>
+      <p:sp>
+        <p:nvSpPr>
+          <p:cNvPr id="3" name="Content Placeholder 2"/>
+          <p:cNvSpPr>
+            <a:spLocks noGrp="1"/>
+          </p:cNvSpPr>
+          <p:nvPr>
+            <p:ph idx="1"/>
+          </p:nvPr>
+        </p:nvSpPr>
+        <p:spPr/>
+        <p:txBody>
+          <a:bodyPr/>
+          <a:lstStyle/>
+          <a:p>
+            <a:endParaRPr lang="en-US"/>
+          </a:p>
+        </p:txBody>
+      </p:sp>
+      <p:pic>
+        <p:nvPicPr>
+          <p:cNvPr id="4" name="Picture 3"/>
+          <p:cNvPicPr>
+            <a:picLocks noChangeAspect="1"/>
+          </p:cNvPicPr>
+          <p:nvPr/>
+        </p:nvPicPr>
+        <p:blipFill>
+          <a:blip r:embed="rId2"/>
+          <a:stretch>
+            <a:fillRect/>
+          </a:stretch>
+        </p:blipFill>
+        <p:spPr>
+          <a:xfrm>
+            <a:off x="323850" y="844806"/>
+            <a:ext cx="8496300" cy="4676775"/>
+          </a:xfrm>
+          <a:prstGeom prst="rect">
+            <a:avLst/>
+          </a:prstGeom>
+        </p:spPr>
+      </p:pic>
+    </p:spTree>
+    <p:extLst>
+      <p:ext uri="{BB962C8B-B14F-4D97-AF65-F5344CB8AC3E}">
+        <p14:creationId xmlns:p14="http://schemas.microsoft.com/office/powerpoint/2010/main" val="3660488833"/>
+      </p:ext>
+    </p:extLst>
+  </p:cSld>
+  <p:clrMapOvr>
+    <a:masterClrMapping/>
+  </p:clrMapOvr>
+</p:sld>
+</file>
+
+<file path=ppt/slides/slide21.xml><?xml version="1.0" encoding="utf-8"?>
+<p:sld xmlns:a="http://schemas.openxmlformats.org/drawingml/2006/main" xmlns:r="http://schemas.openxmlformats.org/officeDocument/2006/relationships" xmlns:p="http://schemas.openxmlformats.org/presentationml/2006/main">
+  <p:cSld>
+    <p:spTree>
+      <p:nvGrpSpPr>
+        <p:cNvPr id="1" name=""/>
+        <p:cNvGrpSpPr/>
+        <p:nvPr/>
+      </p:nvGrpSpPr>
+      <p:grpSpPr>
+        <a:xfrm>
+          <a:off x="0" y="0"/>
+          <a:ext cx="0" cy="0"/>
+          <a:chOff x="0" y="0"/>
+          <a:chExt cx="0" cy="0"/>
+        </a:xfrm>
+      </p:grpSpPr>
+      <p:sp>
+        <p:nvSpPr>
+          <p:cNvPr id="2" name="Title 1"/>
+          <p:cNvSpPr>
+            <a:spLocks noGrp="1"/>
+          </p:cNvSpPr>
+          <p:nvPr>
+            <p:ph type="title"/>
+          </p:nvPr>
+        </p:nvSpPr>
+        <p:spPr/>
+        <p:txBody>
+          <a:bodyPr/>
+          <a:lstStyle/>
+          <a:p>
+            <a:endParaRPr lang="en-US"/>
+          </a:p>
+        </p:txBody>
+      </p:sp>
+      <p:sp>
+        <p:nvSpPr>
+          <p:cNvPr id="3" name="Content Placeholder 2"/>
+          <p:cNvSpPr>
+            <a:spLocks noGrp="1"/>
+          </p:cNvSpPr>
+          <p:nvPr>
+            <p:ph idx="1"/>
+          </p:nvPr>
+        </p:nvSpPr>
+        <p:spPr/>
+        <p:txBody>
+          <a:bodyPr/>
+          <a:lstStyle/>
+          <a:p>
+            <a:endParaRPr lang="en-US"/>
+          </a:p>
+        </p:txBody>
+      </p:sp>
+      <p:pic>
+        <p:nvPicPr>
+          <p:cNvPr id="4" name="Picture 3"/>
+          <p:cNvPicPr>
+            <a:picLocks noChangeAspect="1"/>
+          </p:cNvPicPr>
+          <p:nvPr/>
+        </p:nvPicPr>
+        <p:blipFill>
+          <a:blip r:embed="rId2"/>
+          <a:stretch>
+            <a:fillRect/>
+          </a:stretch>
+        </p:blipFill>
+        <p:spPr>
+          <a:xfrm>
+            <a:off x="311450" y="1825625"/>
+            <a:ext cx="8682915" cy="3906812"/>
+          </a:xfrm>
+          <a:prstGeom prst="rect">
+            <a:avLst/>
+          </a:prstGeom>
+        </p:spPr>
+      </p:pic>
+    </p:spTree>
+    <p:extLst>
+      <p:ext uri="{BB962C8B-B14F-4D97-AF65-F5344CB8AC3E}">
+        <p14:creationId xmlns:p14="http://schemas.microsoft.com/office/powerpoint/2010/main" val="3849634952"/>
+      </p:ext>
+    </p:extLst>
+  </p:cSld>
+  <p:clrMapOvr>
+    <a:masterClrMapping/>
+  </p:clrMapOvr>
+</p:sld>
+</file>
+
+<file path=ppt/slides/slide22.xml><?xml version="1.0" encoding="utf-8"?>
+<p:sld xmlns:a="http://schemas.openxmlformats.org/drawingml/2006/main" xmlns:r="http://schemas.openxmlformats.org/officeDocument/2006/relationships" xmlns:p="http://schemas.openxmlformats.org/presentationml/2006/main">
+  <p:cSld>
+    <p:spTree>
+      <p:nvGrpSpPr>
+        <p:cNvPr id="1" name=""/>
+        <p:cNvGrpSpPr/>
+        <p:nvPr/>
+      </p:nvGrpSpPr>
+      <p:grpSpPr>
+        <a:xfrm>
+          <a:off x="0" y="0"/>
+          <a:ext cx="0" cy="0"/>
+          <a:chOff x="0" y="0"/>
+          <a:chExt cx="0" cy="0"/>
+        </a:xfrm>
+      </p:grpSpPr>
+      <p:sp>
+        <p:nvSpPr>
+          <p:cNvPr id="2" name="Title 1"/>
+          <p:cNvSpPr>
+            <a:spLocks noGrp="1"/>
+          </p:cNvSpPr>
+          <p:nvPr>
+            <p:ph type="title"/>
+          </p:nvPr>
+        </p:nvSpPr>
+        <p:spPr>
+          <a:xfrm>
+            <a:off x="549648" y="3016340"/>
+            <a:ext cx="7886700" cy="2648418"/>
+          </a:xfrm>
+        </p:spPr>
+        <p:txBody>
+          <a:bodyPr>
+            <a:normAutofit/>
+          </a:bodyPr>
+          <a:lstStyle/>
+          <a:p>
+            <a:r>
+              <a:rPr lang="en-US" dirty="0"/>
+              <a:t>Refactoring Forecast Fragment</a:t>
+            </a:r>
+            <a:br>
+              <a:rPr lang="en-US" dirty="0"/>
+            </a:br>
+            <a:r>
+              <a:rPr lang="en-US" dirty="0"/>
+              <a:t/>
+            </a:r>
+            <a:br>
+              <a:rPr lang="en-US" dirty="0"/>
+            </a:br>
+            <a:r>
+              <a:rPr lang="en-US" dirty="0"/>
+              <a:t>to prepare it for Loader</a:t>
+            </a:r>
+          </a:p>
+        </p:txBody>
+      </p:sp>
+    </p:spTree>
+    <p:extLst>
+      <p:ext uri="{BB962C8B-B14F-4D97-AF65-F5344CB8AC3E}">
+        <p14:creationId xmlns:p14="http://schemas.microsoft.com/office/powerpoint/2010/main" val="2243028937"/>
+      </p:ext>
+    </p:extLst>
+  </p:cSld>
+  <p:clrMapOvr>
+    <a:masterClrMapping/>
+  </p:clrMapOvr>
+</p:sld>
+</file>
+
+<file path=ppt/slides/slide23.xml><?xml version="1.0" encoding="utf-8"?>
+<p:sld xmlns:a="http://schemas.openxmlformats.org/drawingml/2006/main" xmlns:r="http://schemas.openxmlformats.org/officeDocument/2006/relationships" xmlns:p="http://schemas.openxmlformats.org/presentationml/2006/main">
+  <p:cSld>
+    <p:spTree>
+      <p:nvGrpSpPr>
+        <p:cNvPr id="1" name=""/>
+        <p:cNvGrpSpPr/>
+        <p:nvPr/>
+      </p:nvGrpSpPr>
+      <p:grpSpPr>
+        <a:xfrm>
+          <a:off x="0" y="0"/>
+          <a:ext cx="0" cy="0"/>
+          <a:chOff x="0" y="0"/>
+          <a:chExt cx="0" cy="0"/>
+        </a:xfrm>
+      </p:grpSpPr>
+      <p:sp>
+        <p:nvSpPr>
+          <p:cNvPr id="2" name="Title 1"/>
+          <p:cNvSpPr>
+            <a:spLocks noGrp="1"/>
+          </p:cNvSpPr>
+          <p:nvPr>
+            <p:ph type="title"/>
+          </p:nvPr>
+        </p:nvSpPr>
+        <p:spPr/>
+        <p:txBody>
+          <a:bodyPr/>
+          <a:lstStyle/>
+          <a:p>
+            <a:r>
+              <a:rPr lang="el-GR" dirty="0"/>
+              <a:t>Χρήση </a:t>
+            </a:r>
+            <a:r>
+              <a:rPr lang="en-US" dirty="0"/>
+              <a:t>Loader </a:t>
+            </a:r>
+            <a:r>
+              <a:rPr lang="el-GR" dirty="0"/>
+              <a:t>στην </a:t>
+            </a:r>
+            <a:r>
+              <a:rPr lang="en-US" dirty="0"/>
+              <a:t>Forecast Fragment</a:t>
+            </a:r>
+          </a:p>
+        </p:txBody>
+      </p:sp>
+      <p:pic>
+        <p:nvPicPr>
+          <p:cNvPr id="3" name="Picture 2"/>
+          <p:cNvPicPr>
+            <a:picLocks noChangeAspect="1"/>
+          </p:cNvPicPr>
+          <p:nvPr/>
+        </p:nvPicPr>
+        <p:blipFill>
+          <a:blip r:embed="rId2"/>
+          <a:stretch>
+            <a:fillRect/>
+          </a:stretch>
+        </p:blipFill>
+        <p:spPr>
+          <a:xfrm>
+            <a:off x="416904" y="1856216"/>
+            <a:ext cx="8590844" cy="4107262"/>
+          </a:xfrm>
+          <a:prstGeom prst="rect">
+            <a:avLst/>
+          </a:prstGeom>
+        </p:spPr>
+      </p:pic>
+      <p:sp>
+        <p:nvSpPr>
+          <p:cNvPr id="4" name="TextBox 3"/>
+          <p:cNvSpPr txBox="1"/>
+          <p:nvPr/>
+        </p:nvSpPr>
+        <p:spPr>
+          <a:xfrm>
+            <a:off x="946205" y="5963478"/>
+            <a:ext cx="7068710" cy="646331"/>
+          </a:xfrm>
+          <a:prstGeom prst="rect">
+            <a:avLst/>
+          </a:prstGeom>
+          <a:noFill/>
+        </p:spPr>
+        <p:txBody>
+          <a:bodyPr wrap="square" rtlCol="0">
+            <a:spAutoFit/>
+          </a:bodyPr>
+          <a:lstStyle/>
+          <a:p>
+            <a:r>
+              <a:rPr lang="en-US" dirty="0"/>
+              <a:t>see section: </a:t>
+            </a:r>
+            <a:r>
+              <a:rPr lang="en-US" b="1" dirty="0"/>
+              <a:t>Use of Loaders in Forecast Fragment</a:t>
+            </a:r>
+          </a:p>
+          <a:p>
+            <a:endParaRPr lang="en-US" dirty="0"/>
+          </a:p>
+        </p:txBody>
+      </p:sp>
+    </p:spTree>
+    <p:extLst>
+      <p:ext uri="{BB962C8B-B14F-4D97-AF65-F5344CB8AC3E}">
+        <p14:creationId xmlns:p14="http://schemas.microsoft.com/office/powerpoint/2010/main" val="3430623349"/>
       </p:ext>
     </p:extLst>
   </p:cSld>
@@ -4956,4 +6760,265 @@
     </a:ext>
   </a:extLst>
 </a:theme>
+</file>
+
+<file path=ppt/theme/theme2.xml><?xml version="1.0" encoding="utf-8"?>
+<a:theme xmlns:a="http://schemas.openxmlformats.org/drawingml/2006/main" name="Office Theme">
+  <a:themeElements>
+    <a:clrScheme name="Office">
+      <a:dk1>
+        <a:sysClr val="windowText" lastClr="000000"/>
+      </a:dk1>
+      <a:lt1>
+        <a:sysClr val="window" lastClr="FFFFFF"/>
+      </a:lt1>
+      <a:dk2>
+        <a:srgbClr val="44546A"/>
+      </a:dk2>
+      <a:lt2>
+        <a:srgbClr val="E7E6E6"/>
+      </a:lt2>
+      <a:accent1>
+        <a:srgbClr val="5B9BD5"/>
+      </a:accent1>
+      <a:accent2>
+        <a:srgbClr val="ED7D31"/>
+      </a:accent2>
+      <a:accent3>
+        <a:srgbClr val="A5A5A5"/>
+      </a:accent3>
+      <a:accent4>
+        <a:srgbClr val="FFC000"/>
+      </a:accent4>
+      <a:accent5>
+        <a:srgbClr val="4472C4"/>
+      </a:accent5>
+      <a:accent6>
+        <a:srgbClr val="70AD47"/>
+      </a:accent6>
+      <a:hlink>
+        <a:srgbClr val="0563C1"/>
+      </a:hlink>
+      <a:folHlink>
+        <a:srgbClr val="954F72"/>
+      </a:folHlink>
+    </a:clrScheme>
+    <a:fontScheme name="Office">
+      <a:majorFont>
+        <a:latin typeface="Calibri Light" panose="020F0302020204030204"/>
+        <a:ea typeface=""/>
+        <a:cs typeface=""/>
+        <a:font script="Jpan" typeface="ＭＳ Ｐゴシック"/>
+        <a:font script="Hang" typeface="맑은 고딕"/>
+        <a:font script="Hans" typeface="宋体"/>
+        <a:font script="Hant" typeface="新細明體"/>
+        <a:font script="Arab" typeface="Times New Roman"/>
+        <a:font script="Hebr" typeface="Times New Roman"/>
+        <a:font script="Thai" typeface="Angsana New"/>
+        <a:font script="Ethi" typeface="Nyala"/>
+        <a:font script="Beng" typeface="Vrinda"/>
+        <a:font script="Gujr" typeface="Shruti"/>
+        <a:font script="Khmr" typeface="MoolBoran"/>
+        <a:font script="Knda" typeface="Tunga"/>
+        <a:font script="Guru" typeface="Raavi"/>
+        <a:font script="Cans" typeface="Euphemia"/>
+        <a:font script="Cher" typeface="Plantagenet Cherokee"/>
+        <a:font script="Yiii" typeface="Microsoft Yi Baiti"/>
+        <a:font script="Tibt" typeface="Microsoft Himalaya"/>
+        <a:font script="Thaa" typeface="MV Boli"/>
+        <a:font script="Deva" typeface="Mangal"/>
+        <a:font script="Telu" typeface="Gautami"/>
+        <a:font script="Taml" typeface="Latha"/>
+        <a:font script="Syrc" typeface="Estrangelo Edessa"/>
+        <a:font script="Orya" typeface="Kalinga"/>
+        <a:font script="Mlym" typeface="Kartika"/>
+        <a:font script="Laoo" typeface="DokChampa"/>
+        <a:font script="Sinh" typeface="Iskoola Pota"/>
+        <a:font script="Mong" typeface="Mongolian Baiti"/>
+        <a:font script="Viet" typeface="Times New Roman"/>
+        <a:font script="Uigh" typeface="Microsoft Uighur"/>
+        <a:font script="Geor" typeface="Sylfaen"/>
+      </a:majorFont>
+      <a:minorFont>
+        <a:latin typeface="Calibri" panose="020F0502020204030204"/>
+        <a:ea typeface=""/>
+        <a:cs typeface=""/>
+        <a:font script="Jpan" typeface="ＭＳ Ｐゴシック"/>
+        <a:font script="Hang" typeface="맑은 고딕"/>
+        <a:font script="Hans" typeface="宋体"/>
+        <a:font script="Hant" typeface="新細明體"/>
+        <a:font script="Arab" typeface="Arial"/>
+        <a:font script="Hebr" typeface="Arial"/>
+        <a:font script="Thai" typeface="Cordia New"/>
+        <a:font script="Ethi" typeface="Nyala"/>
+        <a:font script="Beng" typeface="Vrinda"/>
+        <a:font script="Gujr" typeface="Shruti"/>
+        <a:font script="Khmr" typeface="DaunPenh"/>
+        <a:font script="Knda" typeface="Tunga"/>
+        <a:font script="Guru" typeface="Raavi"/>
+        <a:font script="Cans" typeface="Euphemia"/>
+        <a:font script="Cher" typeface="Plantagenet Cherokee"/>
+        <a:font script="Yiii" typeface="Microsoft Yi Baiti"/>
+        <a:font script="Tibt" typeface="Microsoft Himalaya"/>
+        <a:font script="Thaa" typeface="MV Boli"/>
+        <a:font script="Deva" typeface="Mangal"/>
+        <a:font script="Telu" typeface="Gautami"/>
+        <a:font script="Taml" typeface="Latha"/>
+        <a:font script="Syrc" typeface="Estrangelo Edessa"/>
+        <a:font script="Orya" typeface="Kalinga"/>
+        <a:font script="Mlym" typeface="Kartika"/>
+        <a:font script="Laoo" typeface="DokChampa"/>
+        <a:font script="Sinh" typeface="Iskoola Pota"/>
+        <a:font script="Mong" typeface="Mongolian Baiti"/>
+        <a:font script="Viet" typeface="Arial"/>
+        <a:font script="Uigh" typeface="Microsoft Uighur"/>
+        <a:font script="Geor" typeface="Sylfaen"/>
+      </a:minorFont>
+    </a:fontScheme>
+    <a:fmtScheme name="Office">
+      <a:fillStyleLst>
+        <a:solidFill>
+          <a:schemeClr val="phClr"/>
+        </a:solidFill>
+        <a:gradFill rotWithShape="1">
+          <a:gsLst>
+            <a:gs pos="0">
+              <a:schemeClr val="phClr">
+                <a:lumMod val="110000"/>
+                <a:satMod val="105000"/>
+                <a:tint val="67000"/>
+              </a:schemeClr>
+            </a:gs>
+            <a:gs pos="50000">
+              <a:schemeClr val="phClr">
+                <a:lumMod val="105000"/>
+                <a:satMod val="103000"/>
+                <a:tint val="73000"/>
+              </a:schemeClr>
+            </a:gs>
+            <a:gs pos="100000">
+              <a:schemeClr val="phClr">
+                <a:lumMod val="105000"/>
+                <a:satMod val="109000"/>
+                <a:tint val="81000"/>
+              </a:schemeClr>
+            </a:gs>
+          </a:gsLst>
+          <a:lin ang="5400000" scaled="0"/>
+        </a:gradFill>
+        <a:gradFill rotWithShape="1">
+          <a:gsLst>
+            <a:gs pos="0">
+              <a:schemeClr val="phClr">
+                <a:satMod val="103000"/>
+                <a:lumMod val="102000"/>
+                <a:tint val="94000"/>
+              </a:schemeClr>
+            </a:gs>
+            <a:gs pos="50000">
+              <a:schemeClr val="phClr">
+                <a:satMod val="110000"/>
+                <a:lumMod val="100000"/>
+                <a:shade val="100000"/>
+              </a:schemeClr>
+            </a:gs>
+            <a:gs pos="100000">
+              <a:schemeClr val="phClr">
+                <a:lumMod val="99000"/>
+                <a:satMod val="120000"/>
+                <a:shade val="78000"/>
+              </a:schemeClr>
+            </a:gs>
+          </a:gsLst>
+          <a:lin ang="5400000" scaled="0"/>
+        </a:gradFill>
+      </a:fillStyleLst>
+      <a:lnStyleLst>
+        <a:ln w="6350" cap="flat" cmpd="sng" algn="ctr">
+          <a:solidFill>
+            <a:schemeClr val="phClr"/>
+          </a:solidFill>
+          <a:prstDash val="solid"/>
+          <a:miter lim="800000"/>
+        </a:ln>
+        <a:ln w="12700" cap="flat" cmpd="sng" algn="ctr">
+          <a:solidFill>
+            <a:schemeClr val="phClr"/>
+          </a:solidFill>
+          <a:prstDash val="solid"/>
+          <a:miter lim="800000"/>
+        </a:ln>
+        <a:ln w="19050" cap="flat" cmpd="sng" algn="ctr">
+          <a:solidFill>
+            <a:schemeClr val="phClr"/>
+          </a:solidFill>
+          <a:prstDash val="solid"/>
+          <a:miter lim="800000"/>
+        </a:ln>
+      </a:lnStyleLst>
+      <a:effectStyleLst>
+        <a:effectStyle>
+          <a:effectLst/>
+        </a:effectStyle>
+        <a:effectStyle>
+          <a:effectLst/>
+        </a:effectStyle>
+        <a:effectStyle>
+          <a:effectLst>
+            <a:outerShdw blurRad="57150" dist="19050" dir="5400000" algn="ctr" rotWithShape="0">
+              <a:srgbClr val="000000">
+                <a:alpha val="63000"/>
+              </a:srgbClr>
+            </a:outerShdw>
+          </a:effectLst>
+        </a:effectStyle>
+      </a:effectStyleLst>
+      <a:bgFillStyleLst>
+        <a:solidFill>
+          <a:schemeClr val="phClr"/>
+        </a:solidFill>
+        <a:solidFill>
+          <a:schemeClr val="phClr">
+            <a:tint val="95000"/>
+            <a:satMod val="170000"/>
+          </a:schemeClr>
+        </a:solidFill>
+        <a:gradFill rotWithShape="1">
+          <a:gsLst>
+            <a:gs pos="0">
+              <a:schemeClr val="phClr">
+                <a:tint val="93000"/>
+                <a:satMod val="150000"/>
+                <a:shade val="98000"/>
+                <a:lumMod val="102000"/>
+              </a:schemeClr>
+            </a:gs>
+            <a:gs pos="50000">
+              <a:schemeClr val="phClr">
+                <a:tint val="98000"/>
+                <a:satMod val="130000"/>
+                <a:shade val="90000"/>
+                <a:lumMod val="103000"/>
+              </a:schemeClr>
+            </a:gs>
+            <a:gs pos="100000">
+              <a:schemeClr val="phClr">
+                <a:shade val="63000"/>
+                <a:satMod val="120000"/>
+              </a:schemeClr>
+            </a:gs>
+          </a:gsLst>
+          <a:lin ang="5400000" scaled="0"/>
+        </a:gradFill>
+      </a:bgFillStyleLst>
+    </a:fmtScheme>
+  </a:themeElements>
+  <a:objectDefaults/>
+  <a:extraClrSchemeLst/>
+  <a:extLst>
+    <a:ext uri="{05A4C25C-085E-4340-85A3-A5531E510DB2}">
+      <thm15:themeFamily xmlns:thm15="http://schemas.microsoft.com/office/thememl/2012/main" name="Office Theme" id="{62F939B6-93AF-4DB8-9C6B-D6C7DFDC589F}" vid="{4A3C46E8-61CC-4603-A589-7422A47A8E4A}"/>
+    </a:ext>
+  </a:extLst>
+</a:theme>
 </file>